--- a/lectures/01-introduction.pptx
+++ b/lectures/01-introduction.pptx
@@ -5,17 +5,17 @@
     <p:sldMasterId id="2147483648" r:id="rId1"/>
   </p:sldMasterIdLst>
   <p:notesMasterIdLst>
-    <p:notesMasterId r:id="rId35"/>
+    <p:notesMasterId r:id="rId28"/>
   </p:notesMasterIdLst>
   <p:sldIdLst>
     <p:sldId id="256" r:id="rId2"/>
     <p:sldId id="274" r:id="rId3"/>
-    <p:sldId id="277" r:id="rId4"/>
-    <p:sldId id="275" r:id="rId5"/>
-    <p:sldId id="276" r:id="rId6"/>
-    <p:sldId id="293" r:id="rId7"/>
-    <p:sldId id="291" r:id="rId8"/>
-    <p:sldId id="292" r:id="rId9"/>
+    <p:sldId id="275" r:id="rId4"/>
+    <p:sldId id="276" r:id="rId5"/>
+    <p:sldId id="277" r:id="rId6"/>
+    <p:sldId id="292" r:id="rId7"/>
+    <p:sldId id="293" r:id="rId8"/>
+    <p:sldId id="291" r:id="rId9"/>
     <p:sldId id="260" r:id="rId10"/>
     <p:sldId id="258" r:id="rId11"/>
     <p:sldId id="259" r:id="rId12"/>
@@ -34,13 +34,6 @@
     <p:sldId id="289" r:id="rId25"/>
     <p:sldId id="290" r:id="rId26"/>
     <p:sldId id="294" r:id="rId27"/>
-    <p:sldId id="295" r:id="rId28"/>
-    <p:sldId id="296" r:id="rId29"/>
-    <p:sldId id="297" r:id="rId30"/>
-    <p:sldId id="298" r:id="rId31"/>
-    <p:sldId id="300" r:id="rId32"/>
-    <p:sldId id="301" r:id="rId33"/>
-    <p:sldId id="302" r:id="rId34"/>
   </p:sldIdLst>
   <p:sldSz cx="9144000" cy="6858000" type="screen4x3"/>
   <p:notesSz cx="6858000" cy="9144000"/>
@@ -304,38 +297,37 @@
           <a:p>
             <a:pPr lvl="0"/>
             <a:r>
-              <a:rPr lang="en-US" smtClean="0"/>
+              <a:rPr lang="en-US"/>
               <a:t>Click to edit Master text styles</a:t>
             </a:r>
           </a:p>
           <a:p>
             <a:pPr lvl="1"/>
             <a:r>
-              <a:rPr lang="en-US" smtClean="0"/>
+              <a:rPr lang="en-US"/>
               <a:t>Second level</a:t>
             </a:r>
           </a:p>
           <a:p>
             <a:pPr lvl="2"/>
             <a:r>
-              <a:rPr lang="en-US" smtClean="0"/>
+              <a:rPr lang="en-US"/>
               <a:t>Third level</a:t>
             </a:r>
           </a:p>
           <a:p>
             <a:pPr lvl="3"/>
             <a:r>
-              <a:rPr lang="en-US" smtClean="0"/>
+              <a:rPr lang="en-US"/>
               <a:t>Fourth level</a:t>
             </a:r>
           </a:p>
           <a:p>
             <a:pPr lvl="4"/>
             <a:r>
-              <a:rPr lang="en-US" smtClean="0"/>
+              <a:rPr lang="en-US"/>
               <a:t>Fifth level</a:t>
             </a:r>
-            <a:endParaRPr lang="en-US"/>
           </a:p>
         </p:txBody>
       </p:sp>
@@ -508,93 +500,6 @@
 </p:notesMaster>
 </file>
 
-<file path=ppt/notesSlides/notesSlide1.xml><?xml version="1.0" encoding="utf-8"?>
-<p:notes xmlns:a="http://schemas.openxmlformats.org/drawingml/2006/main" xmlns:r="http://schemas.openxmlformats.org/officeDocument/2006/relationships" xmlns:p="http://schemas.openxmlformats.org/presentationml/2006/main">
-  <p:cSld>
-    <p:spTree>
-      <p:nvGrpSpPr>
-        <p:cNvPr id="1" name=""/>
-        <p:cNvGrpSpPr/>
-        <p:nvPr/>
-      </p:nvGrpSpPr>
-      <p:grpSpPr>
-        <a:xfrm>
-          <a:off x="0" y="0"/>
-          <a:ext cx="0" cy="0"/>
-          <a:chOff x="0" y="0"/>
-          <a:chExt cx="0" cy="0"/>
-        </a:xfrm>
-      </p:grpSpPr>
-      <p:sp>
-        <p:nvSpPr>
-          <p:cNvPr id="2" name="Slide Image Placeholder 1"/>
-          <p:cNvSpPr>
-            <a:spLocks noGrp="1" noRot="1" noChangeAspect="1"/>
-          </p:cNvSpPr>
-          <p:nvPr>
-            <p:ph type="sldImg"/>
-          </p:nvPr>
-        </p:nvSpPr>
-        <p:spPr/>
-      </p:sp>
-      <p:sp>
-        <p:nvSpPr>
-          <p:cNvPr id="3" name="Notes Placeholder 2"/>
-          <p:cNvSpPr>
-            <a:spLocks noGrp="1"/>
-          </p:cNvSpPr>
-          <p:nvPr>
-            <p:ph type="body" idx="1"/>
-          </p:nvPr>
-        </p:nvSpPr>
-        <p:spPr/>
-        <p:txBody>
-          <a:bodyPr>
-            <a:normAutofit/>
-          </a:bodyPr>
-          <a:lstStyle/>
-          <a:p>
-            <a:endParaRPr lang="en-US" dirty="0"/>
-          </a:p>
-        </p:txBody>
-      </p:sp>
-      <p:sp>
-        <p:nvSpPr>
-          <p:cNvPr id="4" name="Slide Number Placeholder 3"/>
-          <p:cNvSpPr>
-            <a:spLocks noGrp="1"/>
-          </p:cNvSpPr>
-          <p:nvPr>
-            <p:ph type="sldNum" sz="quarter" idx="10"/>
-          </p:nvPr>
-        </p:nvSpPr>
-        <p:spPr/>
-        <p:txBody>
-          <a:bodyPr/>
-          <a:lstStyle/>
-          <a:p>
-            <a:fld id="{C42E1E04-4EDA-4832-8A72-8411EF37BA5D}" type="slidenum">
-              <a:rPr lang="en-US" smtClean="0"/>
-              <a:pPr/>
-              <a:t>28</a:t>
-            </a:fld>
-            <a:endParaRPr lang="en-US"/>
-          </a:p>
-        </p:txBody>
-      </p:sp>
-    </p:spTree>
-    <p:extLst>
-      <p:ext uri="{BB962C8B-B14F-4D97-AF65-F5344CB8AC3E}">
-        <p14:creationId xmlns:p14="http://schemas.microsoft.com/office/powerpoint/2010/main" val="2725398803"/>
-      </p:ext>
-    </p:extLst>
-  </p:cSld>
-  <p:clrMapOvr>
-    <a:masterClrMapping/>
-  </p:clrMapOvr>
-</p:notes>
-</file>
-
 <file path=ppt/slideLayouts/slideLayout1.xml><?xml version="1.0" encoding="utf-8"?>
 <p:sldLayout xmlns:a="http://schemas.openxmlformats.org/drawingml/2006/main" xmlns:r="http://schemas.openxmlformats.org/officeDocument/2006/relationships" xmlns:p="http://schemas.openxmlformats.org/presentationml/2006/main" preserve="1" userDrawn="1">
   <p:cSld name="Tittellysbilde">
@@ -690,10 +595,9 @@
           <a:lstStyle/>
           <a:p>
             <a:r>
-              <a:rPr lang="en-US" noProof="0" dirty="0" smtClean="0"/>
+              <a:rPr lang="en-US" noProof="0" dirty="0"/>
               <a:t>Click to edit Master title style</a:t>
             </a:r>
-            <a:endParaRPr lang="en-US" noProof="0" dirty="0"/>
           </a:p>
         </p:txBody>
       </p:sp>
@@ -807,10 +711,9 @@
           </a:lstStyle>
           <a:p>
             <a:r>
-              <a:rPr lang="en-US" noProof="0" dirty="0" smtClean="0"/>
+              <a:rPr lang="en-US" noProof="0" dirty="0"/>
               <a:t>Click to edit Master subtitle style</a:t>
             </a:r>
-            <a:endParaRPr lang="en-US" noProof="0" dirty="0"/>
           </a:p>
         </p:txBody>
       </p:sp>
@@ -1115,7 +1018,7 @@
           <a:lstStyle/>
           <a:p>
             <a:r>
-              <a:rPr lang="en-US" dirty="0" smtClean="0"/>
+              <a:rPr lang="en-US" dirty="0"/>
               <a:t>Click to edit Master title style</a:t>
             </a:r>
             <a:endParaRPr lang="nn-NO" dirty="0"/>
@@ -1152,35 +1055,35 @@
           <a:p>
             <a:pPr lvl="0"/>
             <a:r>
-              <a:rPr lang="en-US" dirty="0" smtClean="0"/>
+              <a:rPr lang="en-US" dirty="0"/>
               <a:t>Click to edit Master text styles</a:t>
             </a:r>
           </a:p>
           <a:p>
             <a:pPr lvl="1"/>
             <a:r>
-              <a:rPr lang="en-US" dirty="0" smtClean="0"/>
+              <a:rPr lang="en-US" dirty="0"/>
               <a:t>Second level</a:t>
             </a:r>
           </a:p>
           <a:p>
             <a:pPr lvl="2"/>
             <a:r>
-              <a:rPr lang="en-US" dirty="0" smtClean="0"/>
+              <a:rPr lang="en-US" dirty="0"/>
               <a:t>Third level</a:t>
             </a:r>
           </a:p>
           <a:p>
             <a:pPr lvl="3"/>
             <a:r>
-              <a:rPr lang="en-US" dirty="0" smtClean="0"/>
+              <a:rPr lang="en-US" dirty="0"/>
               <a:t>Fourth level</a:t>
             </a:r>
           </a:p>
           <a:p>
             <a:pPr lvl="4"/>
             <a:r>
-              <a:rPr lang="en-US" dirty="0" smtClean="0"/>
+              <a:rPr lang="en-US" dirty="0"/>
               <a:t>Fifth level</a:t>
             </a:r>
             <a:endParaRPr lang="nn-NO" dirty="0"/>
@@ -1295,7 +1198,7 @@
           <a:lstStyle/>
           <a:p>
             <a:r>
-              <a:rPr lang="en-US" smtClean="0"/>
+              <a:rPr lang="en-US"/>
               <a:t>Click to edit Master title style</a:t>
             </a:r>
             <a:endParaRPr lang="nn-NO"/>
@@ -1352,35 +1255,35 @@
           <a:p>
             <a:pPr lvl="0"/>
             <a:r>
-              <a:rPr lang="en-US" smtClean="0"/>
+              <a:rPr lang="en-US"/>
               <a:t>Click to edit Master text styles</a:t>
             </a:r>
           </a:p>
           <a:p>
             <a:pPr lvl="1"/>
             <a:r>
-              <a:rPr lang="en-US" smtClean="0"/>
+              <a:rPr lang="en-US"/>
               <a:t>Second level</a:t>
             </a:r>
           </a:p>
           <a:p>
             <a:pPr lvl="2"/>
             <a:r>
-              <a:rPr lang="en-US" smtClean="0"/>
+              <a:rPr lang="en-US"/>
               <a:t>Third level</a:t>
             </a:r>
           </a:p>
           <a:p>
             <a:pPr lvl="3"/>
             <a:r>
-              <a:rPr lang="en-US" smtClean="0"/>
+              <a:rPr lang="en-US"/>
               <a:t>Fourth level</a:t>
             </a:r>
           </a:p>
           <a:p>
             <a:pPr lvl="4"/>
             <a:r>
-              <a:rPr lang="en-US" smtClean="0"/>
+              <a:rPr lang="en-US"/>
               <a:t>Fifth level</a:t>
             </a:r>
             <a:endParaRPr lang="nn-NO" dirty="0"/>
@@ -1437,35 +1340,35 @@
           <a:p>
             <a:pPr lvl="0"/>
             <a:r>
-              <a:rPr lang="en-US" smtClean="0"/>
+              <a:rPr lang="en-US"/>
               <a:t>Click to edit Master text styles</a:t>
             </a:r>
           </a:p>
           <a:p>
             <a:pPr lvl="1"/>
             <a:r>
-              <a:rPr lang="en-US" smtClean="0"/>
+              <a:rPr lang="en-US"/>
               <a:t>Second level</a:t>
             </a:r>
           </a:p>
           <a:p>
             <a:pPr lvl="2"/>
             <a:r>
-              <a:rPr lang="en-US" smtClean="0"/>
+              <a:rPr lang="en-US"/>
               <a:t>Third level</a:t>
             </a:r>
           </a:p>
           <a:p>
             <a:pPr lvl="3"/>
             <a:r>
-              <a:rPr lang="en-US" smtClean="0"/>
+              <a:rPr lang="en-US"/>
               <a:t>Fourth level</a:t>
             </a:r>
           </a:p>
           <a:p>
             <a:pPr lvl="4"/>
             <a:r>
-              <a:rPr lang="en-US" smtClean="0"/>
+              <a:rPr lang="en-US"/>
               <a:t>Fifth level</a:t>
             </a:r>
             <a:endParaRPr lang="nn-NO" dirty="0"/>
@@ -1580,7 +1483,7 @@
           <a:lstStyle/>
           <a:p>
             <a:r>
-              <a:rPr lang="en-US" smtClean="0"/>
+              <a:rPr lang="en-US"/>
               <a:t>Click to edit Master title style</a:t>
             </a:r>
             <a:endParaRPr lang="nn-NO"/>
@@ -2063,7 +1966,7 @@
           </a:lstStyle>
           <a:p>
             <a:r>
-              <a:rPr lang="en-US" smtClean="0"/>
+              <a:rPr lang="en-US"/>
               <a:t>Click to edit Master subtitle style</a:t>
             </a:r>
             <a:endParaRPr lang="nn-NO" dirty="0"/>
@@ -2372,7 +2275,7 @@
               <a:defRPr/>
             </a:pPr>
             <a:r>
-              <a:rPr kumimoji="0" lang="nb-NO" sz="1400" b="1" i="0" u="none" strike="noStrike" kern="1200" cap="none" spc="0" normalizeH="0" baseline="0" noProof="0" dirty="0" err="1" smtClean="0">
+              <a:rPr kumimoji="0" lang="nb-NO" sz="1400" b="1" i="0" u="none" strike="noStrike" kern="1200" cap="none" spc="0" normalizeH="0" baseline="0" noProof="0" dirty="0" err="1">
                 <a:ln>
                   <a:noFill/>
                 </a:ln>
@@ -2461,252 +2364,6 @@
 </p:sldLayout>
 </file>
 
-<file path=ppt/slideLayouts/slideLayout7.xml><?xml version="1.0" encoding="utf-8"?>
-<p:sldLayout xmlns:a="http://schemas.openxmlformats.org/drawingml/2006/main" xmlns:r="http://schemas.openxmlformats.org/officeDocument/2006/relationships" xmlns:p="http://schemas.openxmlformats.org/presentationml/2006/main" type="secHead">
-  <p:cSld name="Section Header">
-    <p:spTree>
-      <p:nvGrpSpPr>
-        <p:cNvPr id="1" name=""/>
-        <p:cNvGrpSpPr/>
-        <p:nvPr/>
-      </p:nvGrpSpPr>
-      <p:grpSpPr>
-        <a:xfrm>
-          <a:off x="0" y="0"/>
-          <a:ext cx="0" cy="0"/>
-          <a:chOff x="0" y="0"/>
-          <a:chExt cx="0" cy="0"/>
-        </a:xfrm>
-      </p:grpSpPr>
-      <p:sp>
-        <p:nvSpPr>
-          <p:cNvPr id="2" name="Title 1"/>
-          <p:cNvSpPr>
-            <a:spLocks noGrp="1"/>
-          </p:cNvSpPr>
-          <p:nvPr>
-            <p:ph type="title"/>
-          </p:nvPr>
-        </p:nvSpPr>
-        <p:spPr>
-          <a:xfrm>
-            <a:off x="722313" y="4406900"/>
-            <a:ext cx="7772400" cy="1362075"/>
-          </a:xfrm>
-        </p:spPr>
-        <p:txBody>
-          <a:bodyPr anchor="t"/>
-          <a:lstStyle>
-            <a:lvl1pPr algn="l">
-              <a:defRPr sz="4000" b="1" cap="all"/>
-            </a:lvl1pPr>
-          </a:lstStyle>
-          <a:p>
-            <a:r>
-              <a:rPr lang="en-US" smtClean="0"/>
-              <a:t>Click to edit Master title style</a:t>
-            </a:r>
-            <a:endParaRPr lang="en-US"/>
-          </a:p>
-        </p:txBody>
-      </p:sp>
-      <p:sp>
-        <p:nvSpPr>
-          <p:cNvPr id="3" name="Text Placeholder 2"/>
-          <p:cNvSpPr>
-            <a:spLocks noGrp="1"/>
-          </p:cNvSpPr>
-          <p:nvPr>
-            <p:ph type="body" idx="1"/>
-          </p:nvPr>
-        </p:nvSpPr>
-        <p:spPr>
-          <a:xfrm>
-            <a:off x="722313" y="2906713"/>
-            <a:ext cx="7772400" cy="1500187"/>
-          </a:xfrm>
-        </p:spPr>
-        <p:txBody>
-          <a:bodyPr anchor="b"/>
-          <a:lstStyle>
-            <a:lvl1pPr marL="0" indent="0">
-              <a:buNone/>
-              <a:defRPr sz="2000">
-                <a:solidFill>
-                  <a:schemeClr val="tx1">
-                    <a:tint val="75000"/>
-                  </a:schemeClr>
-                </a:solidFill>
-              </a:defRPr>
-            </a:lvl1pPr>
-            <a:lvl2pPr marL="457200" indent="0">
-              <a:buNone/>
-              <a:defRPr sz="1800">
-                <a:solidFill>
-                  <a:schemeClr val="tx1">
-                    <a:tint val="75000"/>
-                  </a:schemeClr>
-                </a:solidFill>
-              </a:defRPr>
-            </a:lvl2pPr>
-            <a:lvl3pPr marL="914400" indent="0">
-              <a:buNone/>
-              <a:defRPr sz="1600">
-                <a:solidFill>
-                  <a:schemeClr val="tx1">
-                    <a:tint val="75000"/>
-                  </a:schemeClr>
-                </a:solidFill>
-              </a:defRPr>
-            </a:lvl3pPr>
-            <a:lvl4pPr marL="1371600" indent="0">
-              <a:buNone/>
-              <a:defRPr sz="1400">
-                <a:solidFill>
-                  <a:schemeClr val="tx1">
-                    <a:tint val="75000"/>
-                  </a:schemeClr>
-                </a:solidFill>
-              </a:defRPr>
-            </a:lvl4pPr>
-            <a:lvl5pPr marL="1828800" indent="0">
-              <a:buNone/>
-              <a:defRPr sz="1400">
-                <a:solidFill>
-                  <a:schemeClr val="tx1">
-                    <a:tint val="75000"/>
-                  </a:schemeClr>
-                </a:solidFill>
-              </a:defRPr>
-            </a:lvl5pPr>
-            <a:lvl6pPr marL="2286000" indent="0">
-              <a:buNone/>
-              <a:defRPr sz="1400">
-                <a:solidFill>
-                  <a:schemeClr val="tx1">
-                    <a:tint val="75000"/>
-                  </a:schemeClr>
-                </a:solidFill>
-              </a:defRPr>
-            </a:lvl6pPr>
-            <a:lvl7pPr marL="2743200" indent="0">
-              <a:buNone/>
-              <a:defRPr sz="1400">
-                <a:solidFill>
-                  <a:schemeClr val="tx1">
-                    <a:tint val="75000"/>
-                  </a:schemeClr>
-                </a:solidFill>
-              </a:defRPr>
-            </a:lvl7pPr>
-            <a:lvl8pPr marL="3200400" indent="0">
-              <a:buNone/>
-              <a:defRPr sz="1400">
-                <a:solidFill>
-                  <a:schemeClr val="tx1">
-                    <a:tint val="75000"/>
-                  </a:schemeClr>
-                </a:solidFill>
-              </a:defRPr>
-            </a:lvl8pPr>
-            <a:lvl9pPr marL="3657600" indent="0">
-              <a:buNone/>
-              <a:defRPr sz="1400">
-                <a:solidFill>
-                  <a:schemeClr val="tx1">
-                    <a:tint val="75000"/>
-                  </a:schemeClr>
-                </a:solidFill>
-              </a:defRPr>
-            </a:lvl9pPr>
-          </a:lstStyle>
-          <a:p>
-            <a:pPr lvl="0"/>
-            <a:r>
-              <a:rPr lang="en-US" smtClean="0"/>
-              <a:t>Click to edit Master text styles</a:t>
-            </a:r>
-          </a:p>
-        </p:txBody>
-      </p:sp>
-      <p:sp>
-        <p:nvSpPr>
-          <p:cNvPr id="4" name="Date Placeholder 3"/>
-          <p:cNvSpPr>
-            <a:spLocks noGrp="1"/>
-          </p:cNvSpPr>
-          <p:nvPr>
-            <p:ph type="dt" sz="half" idx="10"/>
-          </p:nvPr>
-        </p:nvSpPr>
-        <p:spPr/>
-        <p:txBody>
-          <a:bodyPr/>
-          <a:lstStyle/>
-          <a:p>
-            <a:fld id="{F72F93CD-C785-4A13-8BB6-F5D7DC1003E6}" type="datetimeFigureOut">
-              <a:rPr lang="en-US" smtClean="0"/>
-              <a:t>1/12/2017</a:t>
-            </a:fld>
-            <a:endParaRPr lang="en-US"/>
-          </a:p>
-        </p:txBody>
-      </p:sp>
-      <p:sp>
-        <p:nvSpPr>
-          <p:cNvPr id="5" name="Footer Placeholder 4"/>
-          <p:cNvSpPr>
-            <a:spLocks noGrp="1"/>
-          </p:cNvSpPr>
-          <p:nvPr>
-            <p:ph type="ftr" sz="quarter" idx="11"/>
-          </p:nvPr>
-        </p:nvSpPr>
-        <p:spPr/>
-        <p:txBody>
-          <a:bodyPr/>
-          <a:lstStyle/>
-          <a:p>
-            <a:endParaRPr lang="en-US"/>
-          </a:p>
-        </p:txBody>
-      </p:sp>
-      <p:sp>
-        <p:nvSpPr>
-          <p:cNvPr id="6" name="Slide Number Placeholder 5"/>
-          <p:cNvSpPr>
-            <a:spLocks noGrp="1"/>
-          </p:cNvSpPr>
-          <p:nvPr>
-            <p:ph type="sldNum" sz="quarter" idx="12"/>
-          </p:nvPr>
-        </p:nvSpPr>
-        <p:spPr/>
-        <p:txBody>
-          <a:bodyPr/>
-          <a:lstStyle/>
-          <a:p>
-            <a:fld id="{36E56336-B796-4D32-9EAF-C6978220B578}" type="slidenum">
-              <a:rPr lang="en-US" smtClean="0"/>
-              <a:t>‹#›</a:t>
-            </a:fld>
-            <a:endParaRPr lang="en-US"/>
-          </a:p>
-        </p:txBody>
-      </p:sp>
-    </p:spTree>
-    <p:extLst>
-      <p:ext uri="{BB962C8B-B14F-4D97-AF65-F5344CB8AC3E}">
-        <p14:creationId xmlns:p14="http://schemas.microsoft.com/office/powerpoint/2010/main" val="1806090167"/>
-      </p:ext>
-    </p:extLst>
-  </p:cSld>
-  <p:clrMapOvr>
-    <a:masterClrMapping/>
-  </p:clrMapOvr>
-</p:sldLayout>
-</file>
-
 <file path=ppt/slideMasters/slideMaster1.xml><?xml version="1.0" encoding="utf-8"?>
 <p:sldMaster xmlns:a="http://schemas.openxmlformats.org/drawingml/2006/main" xmlns:r="http://schemas.openxmlformats.org/officeDocument/2006/relationships" xmlns:p="http://schemas.openxmlformats.org/presentationml/2006/main">
   <p:cSld>
@@ -2813,7 +2470,7 @@
           <a:lstStyle/>
           <a:p>
             <a:r>
-              <a:rPr lang="nb-NO" dirty="0" smtClean="0"/>
+              <a:rPr lang="nb-NO" dirty="0"/>
               <a:t>Klikk for å redigere tittelstil</a:t>
             </a:r>
             <a:endParaRPr lang="nn-NO" dirty="0"/>
@@ -2847,35 +2504,35 @@
           <a:p>
             <a:pPr lvl="0"/>
             <a:r>
-              <a:rPr lang="nb-NO" dirty="0" smtClean="0"/>
+              <a:rPr lang="nb-NO" dirty="0"/>
               <a:t>Klikk for å redigere tekststiler i malen</a:t>
             </a:r>
           </a:p>
           <a:p>
             <a:pPr lvl="1"/>
             <a:r>
-              <a:rPr lang="nb-NO" dirty="0" smtClean="0"/>
+              <a:rPr lang="nb-NO" dirty="0"/>
               <a:t>Andre nivå</a:t>
             </a:r>
           </a:p>
           <a:p>
             <a:pPr lvl="2"/>
             <a:r>
-              <a:rPr lang="nb-NO" dirty="0" smtClean="0"/>
+              <a:rPr lang="nb-NO" dirty="0"/>
               <a:t>Tredje nivå</a:t>
             </a:r>
           </a:p>
           <a:p>
             <a:pPr lvl="3"/>
             <a:r>
-              <a:rPr lang="nb-NO" dirty="0" smtClean="0"/>
+              <a:rPr lang="nb-NO" dirty="0"/>
               <a:t>Fjerde nivå</a:t>
             </a:r>
           </a:p>
           <a:p>
             <a:pPr lvl="4"/>
             <a:r>
-              <a:rPr lang="nb-NO" dirty="0" smtClean="0"/>
+              <a:rPr lang="nb-NO" dirty="0"/>
               <a:t>Femte nivå</a:t>
             </a:r>
             <a:endParaRPr lang="nn-NO" dirty="0"/>
@@ -3175,7 +2832,6 @@
     <p:sldLayoutId id="2147483654" r:id="rId4"/>
     <p:sldLayoutId id="2147483655" r:id="rId5"/>
     <p:sldLayoutId id="2147483656" r:id="rId6"/>
-    <p:sldLayoutId id="2147483657" r:id="rId7"/>
   </p:sldLayoutIdLst>
   <p:txStyles>
     <p:titleStyle>
@@ -3463,10 +3119,9 @@
           <a:lstStyle/>
           <a:p>
             <a:r>
-              <a:rPr lang="en-US" dirty="0" smtClean="0"/>
+              <a:rPr lang="en-US" dirty="0"/>
               <a:t>Introduction</a:t>
             </a:r>
-            <a:endParaRPr lang="en-US" dirty="0"/>
           </a:p>
         </p:txBody>
       </p:sp>
@@ -3488,24 +3143,21 @@
           <a:lstStyle/>
           <a:p>
             <a:r>
-              <a:rPr lang="en-US" sz="2000" dirty="0" smtClean="0"/>
+              <a:rPr lang="en-US" sz="2000" dirty="0"/>
               <a:t>inf-2201 Operating System Fundamentals</a:t>
             </a:r>
-            <a:endParaRPr lang="en-US" sz="2000" dirty="0" smtClean="0"/>
-          </a:p>
-          <a:p>
-            <a:r>
-              <a:rPr lang="en-US" sz="2000" dirty="0" smtClean="0"/>
+          </a:p>
+          <a:p>
+            <a:r>
+              <a:rPr lang="en-US" sz="2000" dirty="0"/>
               <a:t>Spring 2017</a:t>
             </a:r>
-            <a:endParaRPr lang="en-US" sz="2000" dirty="0" smtClean="0"/>
-          </a:p>
-          <a:p>
-            <a:r>
-              <a:rPr lang="en-US" sz="2000" dirty="0" smtClean="0"/>
+          </a:p>
+          <a:p>
+            <a:r>
+              <a:rPr lang="en-US" sz="2000" dirty="0"/>
               <a:t>Lars Ailo Bongo (larsab@cs.uit.no)</a:t>
             </a:r>
-            <a:endParaRPr lang="en-US" sz="2000" dirty="0"/>
           </a:p>
         </p:txBody>
       </p:sp>
@@ -3514,13 +3166,6 @@
   <p:clrMapOvr>
     <a:masterClrMapping/>
   </p:clrMapOvr>
-  <p:timing>
-    <p:tnLst>
-      <p:par>
-        <p:cTn id="1" dur="indefinite" restart="never" nodeType="tmRoot"/>
-      </p:par>
-    </p:tnLst>
-  </p:timing>
 </p:sld>
 </file>
 
@@ -3557,10 +3202,9 @@
           <a:lstStyle/>
           <a:p>
             <a:r>
-              <a:rPr lang="en-US" dirty="0" smtClean="0"/>
+              <a:rPr lang="en-US" dirty="0"/>
               <a:t>Teaching staff</a:t>
             </a:r>
-            <a:endParaRPr lang="en-US" dirty="0"/>
           </a:p>
         </p:txBody>
       </p:sp>
@@ -3580,48 +3224,33 @@
           <a:lstStyle/>
           <a:p>
             <a:r>
-              <a:rPr lang="en-US" dirty="0" smtClean="0"/>
-              <a:t>Associate Prof. Lars Ailo </a:t>
-            </a:r>
-            <a:r>
-              <a:rPr lang="en-US" dirty="0" smtClean="0"/>
-              <a:t>Bongo</a:t>
-            </a:r>
-          </a:p>
-          <a:p>
-            <a:r>
-              <a:rPr lang="en-US" dirty="0" smtClean="0"/>
+              <a:rPr lang="en-US" dirty="0"/>
+              <a:t>Associate Prof. Lars Ailo Bongo</a:t>
+            </a:r>
+          </a:p>
+          <a:p>
+            <a:r>
+              <a:rPr lang="en-US" dirty="0"/>
               <a:t>Associate Prof. Tore Brox-Larsen</a:t>
             </a:r>
-            <a:endParaRPr lang="en-US" dirty="0" smtClean="0"/>
-          </a:p>
-          <a:p>
-            <a:r>
-              <a:rPr lang="en-US" dirty="0" smtClean="0"/>
-              <a:t>Teaching Assistant </a:t>
-            </a:r>
-            <a:r>
-              <a:rPr lang="en-US" dirty="0" smtClean="0"/>
-              <a:t>Marius Wiik</a:t>
-            </a:r>
-            <a:endParaRPr lang="en-US" dirty="0" smtClean="0"/>
-          </a:p>
-          <a:p>
-            <a:r>
-              <a:rPr lang="en-US" dirty="0" smtClean="0"/>
+          </a:p>
+          <a:p>
+            <a:r>
+              <a:rPr lang="en-US" dirty="0"/>
+              <a:t>Teaching Assistant Marius Wiik</a:t>
+            </a:r>
+          </a:p>
+          <a:p>
+            <a:r>
+              <a:rPr lang="en-US" dirty="0"/>
               <a:t>Teaching Assistant Nikolai Magnussen</a:t>
             </a:r>
           </a:p>
           <a:p>
             <a:r>
-              <a:rPr lang="en-US" dirty="0" smtClean="0"/>
-              <a:t>Our e</a:t>
-            </a:r>
-            <a:r>
-              <a:rPr lang="en-US" dirty="0" smtClean="0"/>
-              <a:t>xternal sensor</a:t>
-            </a:r>
-            <a:endParaRPr lang="en-US" dirty="0"/>
+              <a:rPr lang="en-US" dirty="0"/>
+              <a:t>Our external sensor</a:t>
+            </a:r>
           </a:p>
         </p:txBody>
       </p:sp>
@@ -3635,13 +3264,6 @@
   <p:clrMapOvr>
     <a:masterClrMapping/>
   </p:clrMapOvr>
-  <p:timing>
-    <p:tnLst>
-      <p:par>
-        <p:cTn id="1" dur="indefinite" restart="never" nodeType="tmRoot"/>
-      </p:par>
-    </p:tnLst>
-  </p:timing>
 </p:sld>
 </file>
 
@@ -3678,10 +3300,9 @@
           <a:lstStyle/>
           <a:p>
             <a:r>
-              <a:rPr lang="en-US" dirty="0" smtClean="0"/>
+              <a:rPr lang="en-US" dirty="0"/>
               <a:t>Resources</a:t>
             </a:r>
-            <a:endParaRPr lang="en-US" dirty="0"/>
           </a:p>
         </p:txBody>
       </p:sp>
@@ -3698,130 +3319,139 @@
         <p:spPr/>
         <p:txBody>
           <a:bodyPr>
-            <a:normAutofit fontScale="92500" lnSpcReduction="10000"/>
+            <a:normAutofit fontScale="92500" lnSpcReduction="20000"/>
           </a:bodyPr>
           <a:lstStyle/>
           <a:p>
             <a:r>
-              <a:rPr lang="en-US" dirty="0" smtClean="0"/>
-              <a:t>Web </a:t>
-            </a:r>
-            <a:r>
-              <a:rPr lang="en-US" dirty="0"/>
-              <a:t>page: </a:t>
-            </a:r>
-            <a:r>
-              <a:rPr lang="en-US" dirty="0" smtClean="0">
+              <a:rPr lang="en-US" dirty="0"/>
+              <a:t>Web page: </a:t>
+            </a:r>
+            <a:r>
+              <a:rPr lang="en-US" dirty="0">
                 <a:hlinkClick r:id="rId2"/>
               </a:rPr>
               <a:t>http://www.cs.uit.no/kursinfo/inf2201</a:t>
             </a:r>
-            <a:endParaRPr lang="en-US" dirty="0" smtClean="0"/>
+            <a:endParaRPr lang="en-US" dirty="0"/>
           </a:p>
           <a:p>
             <a:pPr lvl="1"/>
             <a:r>
-              <a:rPr lang="en-US" dirty="0" smtClean="0"/>
+              <a:rPr lang="en-US" dirty="0"/>
               <a:t>Lecture plan, including readings and slides</a:t>
             </a:r>
           </a:p>
           <a:p>
             <a:pPr lvl="1"/>
             <a:r>
-              <a:rPr lang="en-US" dirty="0" smtClean="0"/>
+              <a:rPr lang="en-US" dirty="0"/>
               <a:t>Project plan</a:t>
             </a:r>
-            <a:endParaRPr lang="en-US" dirty="0" smtClean="0"/>
-          </a:p>
-          <a:p>
-            <a:r>
-              <a:rPr lang="en-US" dirty="0" smtClean="0"/>
+          </a:p>
+          <a:p>
+            <a:r>
+              <a:rPr lang="en-US" dirty="0"/>
               <a:t>Mailing list: </a:t>
             </a:r>
             <a:r>
-              <a:rPr lang="en-US" dirty="0" smtClean="0">
+              <a:rPr lang="en-US" dirty="0">
                 <a:hlinkClick r:id="rId3"/>
               </a:rPr>
               <a:t>inf-2201-s17@list.uit.no</a:t>
             </a:r>
-            <a:endParaRPr lang="en-US" dirty="0" smtClean="0"/>
+            <a:endParaRPr lang="en-US" dirty="0"/>
           </a:p>
           <a:p>
             <a:pPr lvl="1"/>
             <a:r>
-              <a:rPr lang="en-US" dirty="0" smtClean="0"/>
+              <a:rPr lang="en-US" dirty="0"/>
               <a:t>Important information</a:t>
             </a:r>
-            <a:endParaRPr lang="en-US" dirty="0" smtClean="0"/>
-          </a:p>
-          <a:p>
-            <a:r>
-              <a:rPr lang="en-US" dirty="0" smtClean="0"/>
+          </a:p>
+          <a:p>
+            <a:r>
+              <a:rPr lang="en-US" dirty="0"/>
               <a:t>Slack team</a:t>
             </a:r>
           </a:p>
           <a:p>
             <a:pPr lvl="1"/>
             <a:r>
-              <a:rPr lang="en-US" dirty="0" smtClean="0"/>
+              <a:rPr lang="en-US" dirty="0"/>
               <a:t>Discussions</a:t>
             </a:r>
-            <a:endParaRPr lang="en-US" dirty="0" smtClean="0"/>
-          </a:p>
-          <a:p>
-            <a:r>
-              <a:rPr lang="en-US" dirty="0" smtClean="0"/>
-              <a:t>GitHub </a:t>
-            </a:r>
-            <a:r>
-              <a:rPr lang="en-US" dirty="0" smtClean="0"/>
-              <a:t>organization: </a:t>
-            </a:r>
-            <a:r>
-              <a:rPr lang="nb-NO" dirty="0" smtClean="0">
+          </a:p>
+          <a:p>
+            <a:r>
+              <a:rPr lang="en-US" dirty="0"/>
+              <a:t>GitHub organization: </a:t>
+            </a:r>
+            <a:r>
+              <a:rPr lang="nb-NO" dirty="0">
                 <a:hlinkClick r:id="rId4"/>
               </a:rPr>
               <a:t>https://github.com/uit-inf-2201-s17</a:t>
             </a:r>
-            <a:endParaRPr lang="nb-NO" dirty="0" smtClean="0"/>
+            <a:endParaRPr lang="nb-NO" dirty="0"/>
           </a:p>
           <a:p>
             <a:pPr lvl="1"/>
             <a:r>
-              <a:rPr lang="nb-NO" dirty="0" smtClean="0"/>
+              <a:rPr lang="nb-NO" dirty="0"/>
               <a:t>Project pre-</a:t>
             </a:r>
             <a:r>
-              <a:rPr lang="nb-NO" dirty="0" err="1" smtClean="0"/>
+              <a:rPr lang="nb-NO" dirty="0" err="1"/>
               <a:t>code</a:t>
             </a:r>
-            <a:endParaRPr lang="nb-NO" dirty="0" smtClean="0"/>
-          </a:p>
-          <a:p>
-            <a:r>
-              <a:rPr lang="nb-NO" dirty="0" err="1" smtClean="0"/>
+            <a:endParaRPr lang="nb-NO" dirty="0"/>
+          </a:p>
+          <a:p>
+            <a:pPr lvl="1"/>
+            <a:r>
+              <a:rPr lang="nb-NO" dirty="0"/>
+              <a:t>Your </a:t>
+            </a:r>
+            <a:r>
+              <a:rPr lang="nb-NO" dirty="0" err="1"/>
+              <a:t>solutions</a:t>
+            </a:r>
+            <a:endParaRPr lang="nb-NO" dirty="0"/>
+          </a:p>
+          <a:p>
+            <a:pPr lvl="1"/>
+            <a:r>
+              <a:rPr lang="nb-NO" dirty="0" err="1"/>
+              <a:t>Issues</a:t>
+            </a:r>
+            <a:endParaRPr lang="nb-NO" dirty="0"/>
+          </a:p>
+          <a:p>
+            <a:r>
+              <a:rPr lang="nb-NO" dirty="0" err="1"/>
               <a:t>Wiseflow</a:t>
             </a:r>
-            <a:endParaRPr lang="nb-NO" dirty="0" smtClean="0"/>
+            <a:endParaRPr lang="nb-NO" dirty="0"/>
           </a:p>
           <a:p>
             <a:pPr lvl="1"/>
             <a:r>
-              <a:rPr lang="nb-NO" dirty="0" err="1" smtClean="0"/>
+              <a:rPr lang="nb-NO" dirty="0" err="1"/>
               <a:t>Exams</a:t>
             </a:r>
-            <a:endParaRPr lang="en-US" dirty="0" smtClean="0"/>
-          </a:p>
-          <a:p>
-            <a:r>
-              <a:rPr lang="en-US" dirty="0" smtClean="0"/>
+            <a:endParaRPr lang="en-US" dirty="0"/>
+          </a:p>
+          <a:p>
+            <a:r>
+              <a:rPr lang="en-US" dirty="0"/>
               <a:t>We will not use </a:t>
             </a:r>
             <a:r>
-              <a:rPr lang="en-US" dirty="0" err="1" smtClean="0"/>
+              <a:rPr lang="en-US" dirty="0" err="1"/>
               <a:t>Fronter</a:t>
             </a:r>
-            <a:endParaRPr lang="en-US" dirty="0" smtClean="0"/>
+            <a:endParaRPr lang="en-US" dirty="0"/>
           </a:p>
         </p:txBody>
       </p:sp>
@@ -3835,13 +3465,6 @@
   <p:clrMapOvr>
     <a:masterClrMapping/>
   </p:clrMapOvr>
-  <p:timing>
-    <p:tnLst>
-      <p:par>
-        <p:cTn id="1" dur="indefinite" restart="never" nodeType="tmRoot"/>
-      </p:par>
-    </p:tnLst>
-  </p:timing>
 </p:sld>
 </file>
 
@@ -3878,10 +3501,9 @@
           <a:lstStyle/>
           <a:p>
             <a:r>
-              <a:rPr lang="en-US" dirty="0" smtClean="0"/>
+              <a:rPr lang="en-US" dirty="0"/>
               <a:t>TODO list 1:</a:t>
             </a:r>
-            <a:endParaRPr lang="en-US" dirty="0"/>
           </a:p>
         </p:txBody>
       </p:sp>
@@ -3905,14 +3527,14 @@
               <a:buAutoNum type="arabicPeriod"/>
             </a:pPr>
             <a:r>
-              <a:rPr lang="en-US" dirty="0" smtClean="0"/>
+              <a:rPr lang="en-US" dirty="0"/>
               <a:t>Make sure you are subscribed to the mailing list</a:t>
             </a:r>
           </a:p>
           <a:p>
             <a:pPr lvl="1"/>
             <a:r>
-              <a:rPr lang="en-US" dirty="0" smtClean="0">
+              <a:rPr lang="en-US" dirty="0">
                 <a:hlinkClick r:id="rId2"/>
               </a:rPr>
               <a:t>https://list.uit.no/sympa/info/inf-2201-s17</a:t>
@@ -3922,15 +3544,15 @@
           <a:p>
             <a:pPr lvl="1"/>
             <a:r>
-              <a:rPr lang="en-US" dirty="0" smtClean="0"/>
+              <a:rPr lang="en-US" dirty="0"/>
               <a:t>Can use non-</a:t>
             </a:r>
             <a:r>
-              <a:rPr lang="en-US" dirty="0" err="1" smtClean="0"/>
+              <a:rPr lang="en-US" dirty="0" err="1"/>
               <a:t>UiT</a:t>
             </a:r>
             <a:r>
-              <a:rPr lang="en-US" dirty="0" smtClean="0"/>
+              <a:rPr lang="en-US" dirty="0"/>
               <a:t> email</a:t>
             </a:r>
           </a:p>
@@ -3940,16 +3562,8 @@
               <a:buAutoNum type="arabicPeriod"/>
             </a:pPr>
             <a:r>
-              <a:rPr lang="en-US" dirty="0" smtClean="0"/>
-              <a:t>Create </a:t>
-            </a:r>
-            <a:r>
-              <a:rPr lang="en-US" dirty="0" smtClean="0"/>
-              <a:t>GitHub </a:t>
-            </a:r>
-            <a:r>
-              <a:rPr lang="en-US" dirty="0" smtClean="0"/>
-              <a:t>account</a:t>
+              <a:rPr lang="en-US" dirty="0"/>
+              <a:t>Create GitHub account</a:t>
             </a:r>
           </a:p>
           <a:p>
@@ -3958,16 +3572,16 @@
               <a:buAutoNum type="arabicPeriod"/>
             </a:pPr>
             <a:r>
-              <a:rPr lang="en-US" dirty="0" smtClean="0"/>
+              <a:rPr lang="en-US" dirty="0"/>
               <a:t>Request membership to </a:t>
             </a:r>
             <a:r>
-              <a:rPr lang="en-US" dirty="0" smtClean="0">
+              <a:rPr lang="en-US" dirty="0">
                 <a:hlinkClick r:id="rId3"/>
               </a:rPr>
               <a:t>GitHub organization</a:t>
             </a:r>
-            <a:endParaRPr lang="en-US" dirty="0" smtClean="0"/>
+            <a:endParaRPr lang="en-US" dirty="0"/>
           </a:p>
           <a:p>
             <a:pPr marL="457200" indent="-457200">
@@ -3975,10 +3589,9 @@
               <a:buAutoNum type="arabicPeriod"/>
             </a:pPr>
             <a:r>
-              <a:rPr lang="en-US" dirty="0" smtClean="0"/>
+              <a:rPr lang="en-US" dirty="0"/>
               <a:t>Get invite to Slack team</a:t>
             </a:r>
-            <a:endParaRPr lang="en-US" dirty="0" smtClean="0"/>
           </a:p>
         </p:txBody>
       </p:sp>
@@ -3992,13 +3605,6 @@
   <p:clrMapOvr>
     <a:masterClrMapping/>
   </p:clrMapOvr>
-  <p:timing>
-    <p:tnLst>
-      <p:par>
-        <p:cTn id="1" dur="indefinite" restart="never" nodeType="tmRoot"/>
-      </p:par>
-    </p:tnLst>
-  </p:timing>
 </p:sld>
 </file>
 
@@ -4203,13 +3809,6 @@
   <p:clrMapOvr>
     <a:masterClrMapping/>
   </p:clrMapOvr>
-  <p:timing>
-    <p:tnLst>
-      <p:par>
-        <p:cTn id="1" dur="indefinite" restart="never" nodeType="tmRoot"/>
-      </p:par>
-    </p:tnLst>
-  </p:timing>
 </p:sld>
 </file>
 
@@ -4246,11 +3845,11 @@
           <a:lstStyle/>
           <a:p>
             <a:r>
-              <a:rPr lang="nb-NO" dirty="0" err="1" smtClean="0"/>
+              <a:rPr lang="nb-NO" dirty="0" err="1"/>
               <a:t>How</a:t>
             </a:r>
             <a:r>
-              <a:rPr lang="nb-NO" dirty="0" smtClean="0"/>
+              <a:rPr lang="nb-NO" dirty="0"/>
               <a:t> to Study Operating Systems?</a:t>
             </a:r>
             <a:endParaRPr lang="en-US" dirty="0"/>
@@ -4275,11 +3874,11 @@
           <a:lstStyle/>
           <a:p>
             <a:r>
-              <a:rPr lang="nb-NO" sz="2800" dirty="0" smtClean="0"/>
+              <a:rPr lang="nb-NO" sz="2800" dirty="0"/>
               <a:t>Read </a:t>
             </a:r>
             <a:r>
-              <a:rPr lang="nb-NO" sz="2800" dirty="0" err="1" smtClean="0"/>
+              <a:rPr lang="nb-NO" sz="2800" dirty="0" err="1"/>
               <a:t>text</a:t>
             </a:r>
             <a:endParaRPr lang="nb-NO" sz="2800" dirty="0"/>
@@ -4390,10 +3989,9 @@
           </a:p>
           <a:p>
             <a:r>
-              <a:rPr lang="en-US" sz="2800" dirty="0" smtClean="0"/>
+              <a:rPr lang="en-US" sz="2800" dirty="0"/>
               <a:t>Develop your own! Gain experience on fundamental issues</a:t>
             </a:r>
-            <a:endParaRPr lang="en-US" sz="2800" dirty="0"/>
           </a:p>
         </p:txBody>
       </p:sp>
@@ -4407,13 +4005,6 @@
   <p:clrMapOvr>
     <a:masterClrMapping/>
   </p:clrMapOvr>
-  <p:timing>
-    <p:tnLst>
-      <p:par>
-        <p:cTn id="1" dur="indefinite" restart="never" nodeType="tmRoot"/>
-      </p:par>
-    </p:tnLst>
-  </p:timing>
 </p:sld>
 </file>
 
@@ -4528,31 +4119,15 @@
             </a:r>
             <a:r>
               <a:rPr lang="en-US" i="1" dirty="0"/>
-              <a:t>Y</a:t>
-            </a:r>
-            <a:r>
-              <a:rPr lang="en-US" i="1" dirty="0" smtClean="0"/>
-              <a:t>ou</a:t>
-            </a:r>
-            <a:r>
-              <a:rPr lang="en-US" dirty="0" smtClean="0"/>
-              <a:t> </a:t>
-            </a:r>
-            <a:r>
-              <a:rPr lang="en-US" dirty="0"/>
-              <a:t>have the </a:t>
-            </a:r>
-            <a:r>
-              <a:rPr lang="en-US" dirty="0" smtClean="0"/>
-              <a:t>power, not the </a:t>
-            </a:r>
-            <a:r>
-              <a:rPr lang="nb-NO" dirty="0" smtClean="0"/>
-              <a:t>SW</a:t>
+              <a:t>You</a:t>
+            </a:r>
+            <a:r>
+              <a:rPr lang="en-US" dirty="0"/>
+              <a:t> have the power, not the </a:t>
             </a:r>
             <a:r>
               <a:rPr lang="nb-NO" dirty="0"/>
-              <a:t>, </a:t>
+              <a:t>SW, </a:t>
             </a:r>
             <a:r>
               <a:rPr lang="en-US" dirty="0"/>
@@ -4581,13 +4156,6 @@
   <p:clrMapOvr>
     <a:masterClrMapping/>
   </p:clrMapOvr>
-  <p:timing>
-    <p:tnLst>
-      <p:par>
-        <p:cTn id="1" dur="indefinite" restart="never" nodeType="tmRoot"/>
-      </p:par>
-    </p:tnLst>
-  </p:timing>
 </p:sld>
 </file>
 
@@ -4664,14 +4232,10 @@
           <a:p>
             <a:r>
               <a:rPr lang="nb-NO" sz="2800" dirty="0"/>
-              <a:t>6 </a:t>
-            </a:r>
-            <a:r>
-              <a:rPr lang="nb-NO" sz="2800" dirty="0" smtClean="0"/>
-              <a:t>(or 7) </a:t>
-            </a:r>
-            <a:r>
-              <a:rPr lang="nb-NO" sz="2800" dirty="0" err="1" smtClean="0"/>
+              <a:t>6 (or 7) </a:t>
+            </a:r>
+            <a:r>
+              <a:rPr lang="nb-NO" sz="2800" dirty="0" err="1"/>
               <a:t>projects</a:t>
             </a:r>
             <a:r>
@@ -4908,16 +4472,12 @@
               <a:t>Close to the computer, but </a:t>
             </a:r>
             <a:r>
-              <a:rPr lang="en-US" sz="2800" dirty="0" err="1" smtClean="0"/>
+              <a:rPr lang="en-US" sz="2800" dirty="0" err="1"/>
               <a:t>bochs</a:t>
             </a:r>
             <a:r>
-              <a:rPr lang="en-US" sz="2800" dirty="0" smtClean="0"/>
-              <a:t> useful </a:t>
-            </a:r>
-            <a:r>
               <a:rPr lang="en-US" sz="2800" dirty="0"/>
-              <a:t>to reduce the number of reboots</a:t>
+              <a:t> useful to reduce the number of reboots</a:t>
             </a:r>
           </a:p>
         </p:txBody>
@@ -4932,13 +4492,6 @@
   <p:clrMapOvr>
     <a:masterClrMapping/>
   </p:clrMapOvr>
-  <p:timing>
-    <p:tnLst>
-      <p:par>
-        <p:cTn id="1" dur="indefinite" restart="never" nodeType="tmRoot"/>
-      </p:par>
-    </p:tnLst>
-  </p:timing>
 </p:sld>
 </file>
 
@@ -5462,15 +5015,7 @@
             </a:pPr>
             <a:r>
               <a:rPr lang="nb-NO" sz="1600" dirty="0"/>
-              <a:t>D240/COS 318, Kai Li, Otto </a:t>
-            </a:r>
-            <a:r>
-              <a:rPr lang="nb-NO" sz="1600" dirty="0" smtClean="0"/>
-              <a:t>Anshus, </a:t>
-            </a:r>
-            <a:r>
-              <a:rPr lang="nb-NO" sz="1600" dirty="0"/>
-              <a:t>1999</a:t>
+              <a:t>D240/COS 318, Kai Li, Otto Anshus, 1999</a:t>
             </a:r>
           </a:p>
           <a:p>
@@ -5491,25 +5036,16 @@
               </a:lnSpc>
             </a:pPr>
             <a:r>
-              <a:rPr lang="nb-NO" sz="1600" dirty="0" smtClean="0"/>
-              <a:t>Inf-2201/COS318/INF242</a:t>
-            </a:r>
-            <a:r>
               <a:rPr lang="nb-NO" sz="1600" dirty="0"/>
-              <a:t>, 2001, Vera Goebel, Thomas Plagemann, Otto </a:t>
-            </a:r>
-            <a:r>
-              <a:rPr lang="nb-NO" sz="1600" dirty="0" smtClean="0"/>
-              <a:t>Anshus</a:t>
+              <a:t>Inf-2201/COS318/INF242, 2001, Vera Goebel, Thomas Plagemann, Otto Anshus</a:t>
             </a:r>
           </a:p>
           <a:p>
             <a:pPr lvl="1"/>
             <a:r>
-              <a:rPr lang="en-US" sz="1700" dirty="0" smtClean="0"/>
+              <a:rPr lang="en-US" sz="1700" dirty="0"/>
               <a:t>Yale University</a:t>
             </a:r>
-            <a:endParaRPr lang="en-US" sz="1700" dirty="0"/>
           </a:p>
         </p:txBody>
       </p:sp>
@@ -5523,13 +5059,6 @@
   <p:clrMapOvr>
     <a:masterClrMapping/>
   </p:clrMapOvr>
-  <p:timing>
-    <p:tnLst>
-      <p:par>
-        <p:cTn id="1" dur="indefinite" restart="never" nodeType="tmRoot"/>
-      </p:par>
-    </p:tnLst>
-  </p:timing>
 </p:sld>
 </file>
 
@@ -5615,34 +5144,16 @@
           </a:p>
           <a:p>
             <a:r>
-              <a:rPr lang="en-US" sz="2800" dirty="0" smtClean="0">
-                <a:solidFill>
-                  <a:srgbClr val="000000"/>
-                </a:solidFill>
-                <a:latin typeface="Calibri" panose="020F0502020204030204" pitchFamily="34" charset="0"/>
-              </a:rPr>
-              <a:t>You </a:t>
-            </a:r>
-            <a:r>
               <a:rPr lang="en-US" sz="2800" dirty="0">
                 <a:solidFill>
                   <a:srgbClr val="000000"/>
                 </a:solidFill>
                 <a:latin typeface="Calibri" panose="020F0502020204030204" pitchFamily="34" charset="0"/>
               </a:rPr>
-              <a:t>will do it in steps</a:t>
-            </a:r>
-          </a:p>
-          <a:p>
-            <a:r>
-              <a:rPr lang="en-US" sz="2800" dirty="0" smtClean="0">
-                <a:solidFill>
-                  <a:srgbClr val="000000"/>
-                </a:solidFill>
-                <a:latin typeface="Calibri" panose="020F0502020204030204" pitchFamily="34" charset="0"/>
-              </a:rPr>
-              <a:t>For </a:t>
-            </a:r>
+              <a:t>You will do it in steps</a:t>
+            </a:r>
+          </a:p>
+          <a:p>
             <a:r>
               <a:rPr lang="en-US" sz="2800" dirty="0">
                 <a:solidFill>
@@ -5650,29 +5161,11 @@
                 </a:solidFill>
                 <a:latin typeface="Calibri" panose="020F0502020204030204" pitchFamily="34" charset="0"/>
               </a:rPr>
-              <a:t>each </a:t>
-            </a:r>
-            <a:r>
-              <a:rPr lang="en-US" sz="2800" dirty="0" smtClean="0">
-                <a:solidFill>
-                  <a:srgbClr val="000000"/>
-                </a:solidFill>
-                <a:latin typeface="Calibri" panose="020F0502020204030204" pitchFamily="34" charset="0"/>
-              </a:rPr>
-              <a:t>step</a:t>
+              <a:t>For each step</a:t>
             </a:r>
           </a:p>
           <a:p>
             <a:pPr lvl="1"/>
-            <a:r>
-              <a:rPr lang="en-US" dirty="0" smtClean="0">
-                <a:solidFill>
-                  <a:srgbClr val="000000"/>
-                </a:solidFill>
-                <a:latin typeface="Calibri" panose="020F0502020204030204" pitchFamily="34" charset="0"/>
-              </a:rPr>
-              <a:t>We’ll </a:t>
-            </a:r>
             <a:r>
               <a:rPr lang="en-US" dirty="0">
                 <a:solidFill>
@@ -5680,29 +5173,11 @@
                 </a:solidFill>
                 <a:latin typeface="Calibri" panose="020F0502020204030204" pitchFamily="34" charset="0"/>
               </a:rPr>
-              <a:t>define what your OS should achieve for this </a:t>
-            </a:r>
-            <a:r>
-              <a:rPr lang="en-US" dirty="0" smtClean="0">
-                <a:solidFill>
-                  <a:srgbClr val="000000"/>
-                </a:solidFill>
-                <a:latin typeface="Calibri" panose="020F0502020204030204" pitchFamily="34" charset="0"/>
-              </a:rPr>
-              <a:t>step</a:t>
+              <a:t>We’ll define what your OS should achieve for this step</a:t>
             </a:r>
           </a:p>
           <a:p>
             <a:pPr lvl="1"/>
-            <a:r>
-              <a:rPr lang="en-US" dirty="0" smtClean="0">
-                <a:solidFill>
-                  <a:srgbClr val="000000"/>
-                </a:solidFill>
-                <a:latin typeface="Calibri" panose="020F0502020204030204" pitchFamily="34" charset="0"/>
-              </a:rPr>
-              <a:t>We’ll </a:t>
-            </a:r>
             <a:r>
               <a:rPr lang="en-US" dirty="0">
                 <a:solidFill>
@@ -5710,29 +5185,11 @@
                 </a:solidFill>
                 <a:latin typeface="Calibri" panose="020F0502020204030204" pitchFamily="34" charset="0"/>
               </a:rPr>
-              <a:t>provide you with a starting point (</a:t>
-            </a:r>
-            <a:r>
-              <a:rPr lang="en-US" dirty="0" smtClean="0">
-                <a:solidFill>
-                  <a:srgbClr val="000000"/>
-                </a:solidFill>
-                <a:latin typeface="Calibri" panose="020F0502020204030204" pitchFamily="34" charset="0"/>
-              </a:rPr>
-              <a:t>code)</a:t>
+              <a:t>We’ll provide you with a starting point (code)</a:t>
             </a:r>
           </a:p>
           <a:p>
             <a:pPr lvl="2"/>
-            <a:r>
-              <a:rPr lang="en-US" i="1" dirty="0" smtClean="0">
-                <a:solidFill>
-                  <a:srgbClr val="000000"/>
-                </a:solidFill>
-                <a:latin typeface="Calibri" panose="020F0502020204030204" pitchFamily="34" charset="0"/>
-              </a:rPr>
-              <a:t>You </a:t>
-            </a:r>
             <a:r>
               <a:rPr lang="en-US" i="1" dirty="0">
                 <a:solidFill>
@@ -5740,18 +5197,9 @@
                 </a:solidFill>
                 <a:latin typeface="Calibri" panose="020F0502020204030204" pitchFamily="34" charset="0"/>
               </a:rPr>
-              <a:t>may well choose to use your own starting </a:t>
-            </a:r>
-            <a:r>
-              <a:rPr lang="en-US" i="1" dirty="0" smtClean="0">
-                <a:solidFill>
-                  <a:srgbClr val="000000"/>
-                </a:solidFill>
-                <a:latin typeface="Calibri" panose="020F0502020204030204" pitchFamily="34" charset="0"/>
-              </a:rPr>
-              <a:t>point</a:t>
-            </a:r>
-            <a:endParaRPr lang="en-US" dirty="0" smtClean="0">
+              <a:t>You may well choose to use your own starting point</a:t>
+            </a:r>
+            <a:endParaRPr lang="en-US" dirty="0">
               <a:solidFill>
                 <a:srgbClr val="000000"/>
               </a:solidFill>
@@ -5760,15 +5208,6 @@
           </a:p>
           <a:p>
             <a:pPr lvl="1"/>
-            <a:r>
-              <a:rPr lang="en-US" dirty="0" smtClean="0">
-                <a:solidFill>
-                  <a:srgbClr val="000000"/>
-                </a:solidFill>
-                <a:latin typeface="Calibri" panose="020F0502020204030204" pitchFamily="34" charset="0"/>
-              </a:rPr>
-              <a:t>You </a:t>
-            </a:r>
             <a:r>
               <a:rPr lang="en-US" dirty="0">
                 <a:solidFill>
@@ -5776,26 +5215,11 @@
                 </a:solidFill>
                 <a:latin typeface="Calibri" panose="020F0502020204030204" pitchFamily="34" charset="0"/>
               </a:rPr>
-              <a:t>will contemplate a design and present a brief design report indicating design issues, discussions, and decisions. The design report is presented, discussed, and reviewed by staff </a:t>
-            </a:r>
-            <a:endParaRPr lang="en-US" dirty="0" smtClean="0">
-              <a:solidFill>
-                <a:srgbClr val="000000"/>
-              </a:solidFill>
-              <a:latin typeface="Calibri" panose="020F0502020204030204" pitchFamily="34" charset="0"/>
-            </a:endParaRPr>
+              <a:t>You will contemplate a design and present a brief design report indicating design issues, discussions, and decisions. The design report is presented, discussed, and reviewed by staff </a:t>
+            </a:r>
           </a:p>
           <a:p>
             <a:pPr lvl="1"/>
-            <a:r>
-              <a:rPr lang="en-US" dirty="0" smtClean="0">
-                <a:solidFill>
-                  <a:srgbClr val="000000"/>
-                </a:solidFill>
-                <a:latin typeface="Calibri" panose="020F0502020204030204" pitchFamily="34" charset="0"/>
-              </a:rPr>
-              <a:t>You </a:t>
-            </a:r>
             <a:r>
               <a:rPr lang="en-US" dirty="0">
                 <a:solidFill>
@@ -5803,19 +5227,10 @@
                 </a:solidFill>
                 <a:latin typeface="Calibri" panose="020F0502020204030204" pitchFamily="34" charset="0"/>
               </a:rPr>
-              <a:t>develop and implement your solution. The solution is reviewed etc.</a:t>
-            </a:r>
-          </a:p>
-          <a:p>
-            <a:r>
-              <a:rPr lang="en-US" sz="2800" dirty="0" smtClean="0">
-                <a:solidFill>
-                  <a:srgbClr val="000000"/>
-                </a:solidFill>
-                <a:latin typeface="Calibri" panose="020F0502020204030204" pitchFamily="34" charset="0"/>
-              </a:rPr>
-              <a:t>For </a:t>
-            </a:r>
+              <a:t>You develop and implement your solution. The solution is reviewed etc.</a:t>
+            </a:r>
+          </a:p>
+          <a:p>
             <a:r>
               <a:rPr lang="en-US" sz="2800" dirty="0">
                 <a:solidFill>
@@ -5823,19 +5238,10 @@
                 </a:solidFill>
                 <a:latin typeface="Calibri" panose="020F0502020204030204" pitchFamily="34" charset="0"/>
               </a:rPr>
-              <a:t>each step you will sweat</a:t>
-            </a:r>
-          </a:p>
-          <a:p>
-            <a:r>
-              <a:rPr lang="en-US" sz="2800" dirty="0" smtClean="0">
-                <a:solidFill>
-                  <a:srgbClr val="000000"/>
-                </a:solidFill>
-                <a:latin typeface="Calibri" panose="020F0502020204030204" pitchFamily="34" charset="0"/>
-              </a:rPr>
-              <a:t>By </a:t>
-            </a:r>
+              <a:t>For each step you will sweat</a:t>
+            </a:r>
+          </a:p>
+          <a:p>
             <a:r>
               <a:rPr lang="en-US" sz="2800" dirty="0">
                 <a:solidFill>
@@ -5843,7 +5249,7 @@
                 </a:solidFill>
                 <a:latin typeface="Calibri" panose="020F0502020204030204" pitchFamily="34" charset="0"/>
               </a:rPr>
-              <a:t>early June you will be ”King of the hill!” </a:t>
+              <a:t>By early June you will be ”King of the hill!” </a:t>
             </a:r>
           </a:p>
           <a:p>
@@ -5897,10 +5303,9 @@
           <a:lstStyle/>
           <a:p>
             <a:r>
-              <a:rPr lang="en-US" dirty="0" smtClean="0"/>
+              <a:rPr lang="en-US" dirty="0"/>
               <a:t>King of the Hill</a:t>
             </a:r>
-            <a:endParaRPr lang="en-US" dirty="0"/>
           </a:p>
         </p:txBody>
       </p:sp>
@@ -6199,23 +5604,11 @@
             </a:pPr>
             <a:r>
               <a:rPr lang="en-US" sz="2000" i="1" dirty="0"/>
-              <a:t>Modern Operating </a:t>
-            </a:r>
-            <a:r>
-              <a:rPr lang="en-US" sz="2000" i="1" dirty="0" smtClean="0"/>
-              <a:t>Systems </a:t>
-            </a:r>
-            <a:r>
-              <a:rPr lang="en-US" sz="2000" i="1" dirty="0" smtClean="0"/>
-              <a:t>4/E</a:t>
-            </a:r>
-            <a:r>
-              <a:rPr lang="en-US" sz="2000" dirty="0" smtClean="0"/>
-              <a:t>, </a:t>
+              <a:t>Modern Operating Systems 4/E</a:t>
             </a:r>
             <a:r>
               <a:rPr lang="en-US" sz="2000" dirty="0"/>
-              <a:t>by Andrew (</a:t>
+              <a:t>, by Andrew (</a:t>
             </a:r>
             <a:r>
               <a:rPr lang="en-US" sz="2000" dirty="0">
@@ -6233,11 +5626,7 @@
             </a:r>
             <a:r>
               <a:rPr lang="en-US" sz="2000" dirty="0"/>
-              <a:t>, Prentice-Hall, </a:t>
-            </a:r>
-            <a:r>
-              <a:rPr lang="en-US" sz="2000" dirty="0" smtClean="0"/>
-              <a:t>2015</a:t>
+              <a:t>, Prentice-Hall, 2015</a:t>
             </a:r>
           </a:p>
           <a:p>
@@ -6247,7 +5636,7 @@
               </a:lnSpc>
             </a:pPr>
             <a:r>
-              <a:rPr lang="en-US" sz="2000" dirty="0" smtClean="0"/>
+              <a:rPr lang="en-US" sz="2000" dirty="0"/>
               <a:t>All information given on the course web pages. The links provided are mandatory readings to the extent they are relevant to the projects</a:t>
             </a:r>
           </a:p>
@@ -6258,12 +5647,8 @@
               </a:lnSpc>
             </a:pPr>
             <a:r>
-              <a:rPr lang="en-US" sz="2000" dirty="0" smtClean="0"/>
-              <a:t>We </a:t>
-            </a:r>
-            <a:r>
               <a:rPr lang="en-US" sz="2000" dirty="0"/>
-              <a:t>will also provide additional readings. Please, check the syllabus</a:t>
+              <a:t>We will also provide additional readings. Please, check the syllabus</a:t>
             </a:r>
           </a:p>
           <a:p>
@@ -6388,12 +5773,12 @@
               <a:t>, Dennis M. </a:t>
             </a:r>
             <a:r>
-              <a:rPr lang="en-US" sz="1800" dirty="0" smtClean="0">
+              <a:rPr lang="en-US" sz="1800" dirty="0">
                 <a:hlinkClick r:id="rId5"/>
               </a:rPr>
               <a:t>Ritchie</a:t>
             </a:r>
-            <a:endParaRPr lang="en-US" sz="1800" dirty="0" smtClean="0"/>
+            <a:endParaRPr lang="en-US" sz="1800" dirty="0"/>
           </a:p>
           <a:p>
             <a:pPr>
@@ -6402,10 +5787,9 @@
               </a:lnSpc>
             </a:pPr>
             <a:r>
-              <a:rPr lang="en-US" sz="2200" b="1" dirty="0" smtClean="0"/>
+              <a:rPr lang="en-US" sz="2200" b="1" dirty="0"/>
               <a:t>Note! Lectures covers important topics that are not addressed by projects</a:t>
             </a:r>
-            <a:endParaRPr lang="en-US" sz="2200" b="1" dirty="0" smtClean="0"/>
           </a:p>
           <a:p>
             <a:pPr>
@@ -6427,13 +5811,6 @@
   <p:clrMapOvr>
     <a:masterClrMapping/>
   </p:clrMapOvr>
-  <p:timing>
-    <p:tnLst>
-      <p:par>
-        <p:cTn id="1" dur="indefinite" restart="never" nodeType="tmRoot"/>
-      </p:par>
-    </p:tnLst>
-  </p:timing>
 </p:sld>
 </file>
 
@@ -6472,11 +5849,11 @@
           <a:lstStyle/>
           <a:p>
             <a:r>
-              <a:rPr lang="en-US" dirty="0" smtClean="0"/>
+              <a:rPr lang="en-US" dirty="0"/>
               <a:t>Cooperation Policy: Working</a:t>
             </a:r>
             <a:r>
-              <a:rPr lang="en-US" baseline="0" dirty="0" smtClean="0"/>
+              <a:rPr lang="en-US" baseline="0" dirty="0"/>
               <a:t> with your fellow students</a:t>
             </a:r>
             <a:endParaRPr lang="en-US" dirty="0"/>
@@ -6499,16 +5876,15 @@
           <a:lstStyle/>
           <a:p>
             <a:r>
-              <a:rPr lang="en-US" dirty="0" smtClean="0"/>
+              <a:rPr lang="en-US" dirty="0"/>
               <a:t>Discuss all concepts, techniques, technologies, and peculiarities with your fellow students</a:t>
             </a:r>
           </a:p>
           <a:p>
             <a:r>
-              <a:rPr lang="en-US" dirty="0" smtClean="0"/>
+              <a:rPr lang="en-US" dirty="0"/>
               <a:t>But don’t in any way share your own code or copy code that is not developed by you.</a:t>
             </a:r>
-            <a:endParaRPr lang="en-US" dirty="0"/>
           </a:p>
         </p:txBody>
       </p:sp>
@@ -6522,13 +5898,6 @@
   <p:clrMapOvr>
     <a:masterClrMapping/>
   </p:clrMapOvr>
-  <p:timing>
-    <p:tnLst>
-      <p:par>
-        <p:cTn id="1" dur="indefinite" restart="never" nodeType="tmRoot"/>
-      </p:par>
-    </p:tnLst>
-  </p:timing>
 </p:sld>
 </file>
 
@@ -6572,10 +5941,9 @@
           <a:lstStyle/>
           <a:p>
             <a:r>
-              <a:rPr lang="en-US" sz="4000" dirty="0" smtClean="0"/>
+              <a:rPr lang="en-US" sz="4000" dirty="0"/>
               <a:t>Learning from Doing: Each student develops his/her own code</a:t>
             </a:r>
-            <a:endParaRPr lang="en-US" sz="4000" dirty="0"/>
           </a:p>
         </p:txBody>
       </p:sp>
@@ -6601,20 +5969,12 @@
           <a:lstStyle/>
           <a:p>
             <a:r>
-              <a:rPr lang="nb-NO" sz="2000" dirty="0" smtClean="0">
-                <a:latin typeface="Tahoma" pitchFamily="34" charset="0"/>
-                <a:ea typeface="Tahoma" pitchFamily="34" charset="0"/>
-                <a:cs typeface="Tahoma" pitchFamily="34" charset="0"/>
-              </a:rPr>
-              <a:t>INF-2201 </a:t>
-            </a:r>
-            <a:r>
               <a:rPr lang="nb-NO" sz="2000" dirty="0">
                 <a:latin typeface="Tahoma" pitchFamily="34" charset="0"/>
                 <a:ea typeface="Tahoma" pitchFamily="34" charset="0"/>
                 <a:cs typeface="Tahoma" pitchFamily="34" charset="0"/>
               </a:rPr>
-              <a:t>har en eksamensordning hvor oppgaver i kurset vurderes og gis veiledende karakterer som ved kursets slutt danner utgangspunkt for den endelige fastsettingen av karakter for kurset. På grunn av dette vil følgende bli betraktet som fusk iht. Forskrift for eksamener ved Universitetet i Tromsø: </a:t>
+              <a:t>INF-2201 har en eksamensordning hvor oppgaver i kurset vurderes og gis veiledende karakterer som ved kursets slutt danner utgangspunkt for den endelige fastsettingen av karakter for kurset. På grunn av dette vil følgende bli betraktet som fusk iht. Forskrift for eksamener ved Universitetet i Tromsø: </a:t>
             </a:r>
             <a:endParaRPr lang="en-US" sz="2000" dirty="0">
               <a:latin typeface="Tahoma" pitchFamily="34" charset="0"/>
@@ -6706,23 +6066,7 @@
                 <a:ea typeface="Tahoma" pitchFamily="34" charset="0"/>
                 <a:cs typeface="Tahoma" pitchFamily="34" charset="0"/>
               </a:rPr>
-              <a:t>Med begrunnelse i det ovennevnte må alle studenter fylle ut og skrive under på følgende erklæring og levere denne </a:t>
-            </a:r>
-            <a:r>
-              <a:rPr lang="nb-NO" sz="2000" dirty="0" smtClean="0">
-                <a:latin typeface="Tahoma" pitchFamily="34" charset="0"/>
-                <a:ea typeface="Tahoma" pitchFamily="34" charset="0"/>
-                <a:cs typeface="Tahoma" pitchFamily="34" charset="0"/>
-              </a:rPr>
-              <a:t>til fakultetsadministrasjonen </a:t>
-            </a:r>
-            <a:r>
-              <a:rPr lang="nb-NO" sz="2000" dirty="0">
-                <a:latin typeface="Tahoma" pitchFamily="34" charset="0"/>
-                <a:ea typeface="Tahoma" pitchFamily="34" charset="0"/>
-                <a:cs typeface="Tahoma" pitchFamily="34" charset="0"/>
-              </a:rPr>
-              <a:t>sammen med innleveringen av den første obligatoriske oppgaven. </a:t>
+              <a:t>Med begrunnelse i det ovennevnte må alle studenter fylle ut og skrive under på følgende erklæring og levere denne til fakultetsadministrasjonen sammen med innleveringen av den første obligatoriske oppgaven. </a:t>
             </a:r>
             <a:endParaRPr lang="en-US" sz="2000" dirty="0">
               <a:latin typeface="Tahoma" pitchFamily="34" charset="0"/>
@@ -6742,13 +6086,6 @@
   <p:clrMapOvr>
     <a:masterClrMapping/>
   </p:clrMapOvr>
-  <p:timing>
-    <p:tnLst>
-      <p:par>
-        <p:cTn id="1" dur="indefinite" restart="never" nodeType="tmRoot"/>
-      </p:par>
-    </p:tnLst>
-  </p:timing>
 </p:sld>
 </file>
 
@@ -6785,10 +6122,9 @@
           <a:lstStyle/>
           <a:p>
             <a:r>
-              <a:rPr lang="en-US" dirty="0" smtClean="0"/>
+              <a:rPr lang="en-US" dirty="0"/>
               <a:t>Cheating</a:t>
             </a:r>
-            <a:endParaRPr lang="en-US" dirty="0"/>
           </a:p>
         </p:txBody>
       </p:sp>
@@ -6808,10 +6144,9 @@
           <a:lstStyle/>
           <a:p>
             <a:r>
-              <a:rPr lang="en-US" dirty="0" smtClean="0"/>
+              <a:rPr lang="en-US" dirty="0"/>
               <a:t>Jan Fuglesteg</a:t>
             </a:r>
-            <a:endParaRPr lang="en-US" dirty="0"/>
           </a:p>
         </p:txBody>
       </p:sp>
@@ -6861,10 +6196,9 @@
           <a:lstStyle/>
           <a:p>
             <a:r>
-              <a:rPr lang="en-US" dirty="0" smtClean="0"/>
+              <a:rPr lang="en-US" dirty="0"/>
               <a:t>Grading Policy</a:t>
             </a:r>
-            <a:endParaRPr lang="en-US" dirty="0"/>
           </a:p>
         </p:txBody>
       </p:sp>
@@ -6886,67 +6220,57 @@
           <a:lstStyle/>
           <a:p>
             <a:r>
-              <a:rPr lang="en-US" dirty="0" smtClean="0"/>
+              <a:rPr lang="en-US" dirty="0"/>
               <a:t>“</a:t>
             </a:r>
             <a:r>
-              <a:rPr lang="en-US" dirty="0" err="1" smtClean="0"/>
+              <a:rPr lang="en-US" dirty="0" err="1"/>
               <a:t>Mappe</a:t>
             </a:r>
             <a:r>
-              <a:rPr lang="en-US" dirty="0" smtClean="0"/>
+              <a:rPr lang="en-US" dirty="0"/>
               <a:t> </a:t>
             </a:r>
             <a:r>
-              <a:rPr lang="en-US" dirty="0" err="1" smtClean="0"/>
+              <a:rPr lang="en-US" dirty="0" err="1"/>
               <a:t>evaluering</a:t>
             </a:r>
             <a:r>
-              <a:rPr lang="en-US" dirty="0" smtClean="0"/>
-              <a:t>”</a:t>
-            </a:r>
-            <a:r>
-              <a:rPr lang="en-US" dirty="0" smtClean="0"/>
-              <a:t>:</a:t>
-            </a:r>
-            <a:endParaRPr lang="en-US" dirty="0" smtClean="0"/>
+              <a:rPr lang="en-US" dirty="0"/>
+              <a:t>”:</a:t>
+            </a:r>
           </a:p>
           <a:p>
             <a:pPr lvl="1"/>
             <a:r>
-              <a:rPr lang="en-US" dirty="0" smtClean="0"/>
-              <a:t>3 </a:t>
-            </a:r>
-            <a:r>
-              <a:rPr lang="en-US" dirty="0" smtClean="0"/>
-              <a:t>(6) individual grades: combined to give final grade</a:t>
+              <a:rPr lang="en-US" dirty="0"/>
+              <a:t>3 individual grades: combined to give final grade</a:t>
             </a:r>
           </a:p>
           <a:p>
             <a:pPr lvl="1"/>
             <a:r>
-              <a:rPr lang="en-US" dirty="0" smtClean="0"/>
+              <a:rPr lang="en-US" dirty="0"/>
               <a:t>No written exam</a:t>
             </a:r>
           </a:p>
           <a:p>
             <a:r>
-              <a:rPr lang="en-US" dirty="0" err="1" smtClean="0"/>
+              <a:rPr lang="en-US" dirty="0" err="1"/>
               <a:t>Wiseflow</a:t>
             </a:r>
-            <a:endParaRPr lang="en-US" dirty="0" smtClean="0"/>
+            <a:endParaRPr lang="en-US" dirty="0"/>
           </a:p>
           <a:p>
             <a:pPr lvl="1"/>
             <a:r>
-              <a:rPr lang="en-US" dirty="0" smtClean="0"/>
+              <a:rPr lang="en-US" dirty="0"/>
               <a:t>More details TBA</a:t>
             </a:r>
-            <a:endParaRPr lang="en-US" dirty="0" smtClean="0"/>
-          </a:p>
-          <a:p>
-            <a:r>
-              <a:rPr lang="en-US" b="1" dirty="0" smtClean="0"/>
+          </a:p>
+          <a:p>
+            <a:r>
+              <a:rPr lang="en-US" b="1" dirty="0"/>
               <a:t>Note! It is your responsibility to make sure you submit the correct assignment on time</a:t>
             </a:r>
           </a:p>
@@ -6954,7 +6278,7 @@
             <a:pPr marL="0" indent="0">
               <a:buNone/>
             </a:pPr>
-            <a:endParaRPr lang="en-US" dirty="0" smtClean="0"/>
+            <a:endParaRPr lang="en-US" dirty="0"/>
           </a:p>
         </p:txBody>
       </p:sp>
@@ -7004,14 +6328,9 @@
           <a:lstStyle/>
           <a:p>
             <a:r>
-              <a:rPr lang="en-US" dirty="0" smtClean="0"/>
-              <a:t>Grading </a:t>
-            </a:r>
-            <a:r>
-              <a:rPr lang="en-US" dirty="0" smtClean="0"/>
-              <a:t>Mechanism</a:t>
-            </a:r>
-            <a:endParaRPr lang="en-US" dirty="0"/>
+              <a:rPr lang="en-US" dirty="0"/>
+              <a:t>Grading Mechanism</a:t>
+            </a:r>
           </a:p>
         </p:txBody>
       </p:sp>
@@ -7033,79 +6352,74 @@
           <a:lstStyle/>
           <a:p>
             <a:r>
-              <a:rPr lang="en-US" dirty="0" smtClean="0"/>
+              <a:rPr lang="en-US" dirty="0"/>
               <a:t>100 point scale (A is 90-100)</a:t>
             </a:r>
           </a:p>
           <a:p>
             <a:r>
-              <a:rPr lang="en-US" dirty="0" smtClean="0"/>
+              <a:rPr lang="en-US" dirty="0"/>
               <a:t>Extra credits are additional to 100 ordinary point</a:t>
             </a:r>
           </a:p>
           <a:p>
             <a:r>
-              <a:rPr lang="en-US" dirty="0" smtClean="0"/>
+              <a:rPr lang="en-US" dirty="0"/>
               <a:t>You can get an A without doing extra credits</a:t>
             </a:r>
           </a:p>
           <a:p>
             <a:pPr lvl="1"/>
             <a:r>
-              <a:rPr lang="en-US" dirty="0" smtClean="0"/>
+              <a:rPr lang="en-US" dirty="0"/>
               <a:t>But hard in practice</a:t>
             </a:r>
           </a:p>
           <a:p>
             <a:r>
-              <a:rPr lang="en-US" dirty="0" smtClean="0"/>
+              <a:rPr lang="en-US" dirty="0"/>
               <a:t>Examiners follow grading guidelines:</a:t>
             </a:r>
           </a:p>
           <a:p>
             <a:pPr lvl="1"/>
             <a:r>
-              <a:rPr lang="en-US" dirty="0" smtClean="0"/>
+              <a:rPr lang="en-US" dirty="0"/>
               <a:t>Each part of assignment gives X points</a:t>
             </a:r>
           </a:p>
           <a:p>
             <a:pPr lvl="1"/>
             <a:r>
-              <a:rPr lang="en-US" dirty="0" smtClean="0"/>
+              <a:rPr lang="en-US" dirty="0"/>
               <a:t>Most points are for code correctness</a:t>
             </a:r>
           </a:p>
           <a:p>
             <a:pPr lvl="1"/>
             <a:r>
-              <a:rPr lang="en-US" dirty="0" smtClean="0"/>
+              <a:rPr lang="en-US" dirty="0"/>
               <a:t>Some are for code readability (comments, structure)</a:t>
             </a:r>
           </a:p>
           <a:p>
             <a:pPr lvl="1"/>
             <a:r>
-              <a:rPr lang="en-US" dirty="0" smtClean="0"/>
-              <a:t>A few are for </a:t>
-            </a:r>
-            <a:r>
-              <a:rPr lang="en-US" dirty="0" smtClean="0"/>
-              <a:t>documentation</a:t>
-            </a:r>
-          </a:p>
-          <a:p>
-            <a:r>
-              <a:rPr lang="en-US" dirty="0" smtClean="0"/>
+              <a:rPr lang="en-US" dirty="0"/>
+              <a:t>A few are for documentation</a:t>
+            </a:r>
+          </a:p>
+          <a:p>
+            <a:r>
+              <a:rPr lang="en-US" dirty="0"/>
               <a:t>Examiners may give short explanation for grades &lt; A</a:t>
             </a:r>
           </a:p>
           <a:p>
             <a:r>
-              <a:rPr lang="en-US" dirty="0" smtClean="0"/>
+              <a:rPr lang="en-US" dirty="0"/>
               <a:t>You should discuss your code/ solution with TAs</a:t>
             </a:r>
-            <a:endParaRPr lang="en-US" dirty="0"/>
           </a:p>
         </p:txBody>
       </p:sp>
@@ -7155,21 +6469,20 @@
           <a:lstStyle/>
           <a:p>
             <a:r>
-              <a:rPr lang="en-US" dirty="0" smtClean="0"/>
-              <a:t>What is an Operating System?</a:t>
-            </a:r>
-            <a:endParaRPr lang="en-US" dirty="0"/>
-          </a:p>
-        </p:txBody>
-      </p:sp>
-      <p:sp>
-        <p:nvSpPr>
-          <p:cNvPr id="3" name="Text Placeholder 2"/>
+              <a:rPr lang="en-US" dirty="0"/>
+              <a:t>TODO list 2</a:t>
+            </a:r>
+          </a:p>
+        </p:txBody>
+      </p:sp>
+      <p:sp>
+        <p:nvSpPr>
+          <p:cNvPr id="3" name="Content Placeholder 2"/>
           <p:cNvSpPr>
             <a:spLocks noGrp="1"/>
           </p:cNvSpPr>
           <p:nvPr>
-            <p:ph type="body" idx="1"/>
+            <p:ph idx="1"/>
           </p:nvPr>
         </p:nvSpPr>
         <p:spPr/>
@@ -7177,14 +6490,37 @@
           <a:bodyPr/>
           <a:lstStyle/>
           <a:p>
-            <a:endParaRPr lang="en-US"/>
+            <a:r>
+              <a:rPr lang="en-US" dirty="0"/>
+              <a:t>Read MOS 1.1-1.5</a:t>
+            </a:r>
+          </a:p>
+          <a:p>
+            <a:r>
+              <a:rPr lang="en-US" dirty="0"/>
+              <a:t>Learn GNU assembly syntax</a:t>
+            </a:r>
+          </a:p>
+          <a:p>
+            <a:r>
+              <a:rPr lang="en-US" dirty="0"/>
+              <a:t>Learn to use </a:t>
+            </a:r>
+            <a:r>
+              <a:rPr lang="en-US" dirty="0" err="1"/>
+              <a:t>git</a:t>
+            </a:r>
+            <a:r>
+              <a:rPr lang="en-US" dirty="0"/>
+              <a:t>/ GitHub</a:t>
+            </a:r>
           </a:p>
         </p:txBody>
       </p:sp>
     </p:spTree>
     <p:extLst>
       <p:ext uri="{BB962C8B-B14F-4D97-AF65-F5344CB8AC3E}">
-        <p14:creationId xmlns:p14="http://schemas.microsoft.com/office/powerpoint/2010/main" val="2432806364"/>
+        <p14:creationId xmlns:p14="http://schemas.microsoft.com/office/powerpoint/2010/main" val="3508343845"/>
       </p:ext>
     </p:extLst>
   </p:cSld>
@@ -7194,1110 +6530,7 @@
 </p:sld>
 </file>
 
-<file path=ppt/slides/slide27.xml><?xml version="1.0" encoding="utf-8"?>
-<p:sld xmlns:a="http://schemas.openxmlformats.org/drawingml/2006/main" xmlns:r="http://schemas.openxmlformats.org/officeDocument/2006/relationships" xmlns:p="http://schemas.openxmlformats.org/presentationml/2006/main">
-  <p:cSld>
-    <p:spTree>
-      <p:nvGrpSpPr>
-        <p:cNvPr id="1" name=""/>
-        <p:cNvGrpSpPr/>
-        <p:nvPr/>
-      </p:nvGrpSpPr>
-      <p:grpSpPr>
-        <a:xfrm>
-          <a:off x="0" y="0"/>
-          <a:ext cx="0" cy="0"/>
-          <a:chOff x="0" y="0"/>
-          <a:chExt cx="0" cy="0"/>
-        </a:xfrm>
-      </p:grpSpPr>
-      <p:sp>
-        <p:nvSpPr>
-          <p:cNvPr id="2" name="Title 1"/>
-          <p:cNvSpPr>
-            <a:spLocks noGrp="1"/>
-          </p:cNvSpPr>
-          <p:nvPr>
-            <p:ph type="title"/>
-          </p:nvPr>
-        </p:nvSpPr>
-        <p:spPr/>
-        <p:txBody>
-          <a:bodyPr/>
-          <a:lstStyle/>
-          <a:p>
-            <a:r>
-              <a:rPr lang="en-US" dirty="0" smtClean="0"/>
-              <a:t>What is an operating system?</a:t>
-            </a:r>
-            <a:endParaRPr lang="en-US" dirty="0"/>
-          </a:p>
-        </p:txBody>
-      </p:sp>
-      <p:sp>
-        <p:nvSpPr>
-          <p:cNvPr id="3" name="Content Placeholder 2"/>
-          <p:cNvSpPr>
-            <a:spLocks noGrp="1"/>
-          </p:cNvSpPr>
-          <p:nvPr>
-            <p:ph idx="1"/>
-          </p:nvPr>
-        </p:nvSpPr>
-        <p:spPr/>
-        <p:txBody>
-          <a:bodyPr/>
-          <a:lstStyle/>
-          <a:p>
-            <a:r>
-              <a:rPr lang="en-US" dirty="0" smtClean="0"/>
-              <a:t>Software between applications and hardware</a:t>
-            </a:r>
-          </a:p>
-          <a:p>
-            <a:r>
-              <a:rPr lang="en-US" dirty="0" smtClean="0"/>
-              <a:t>System</a:t>
-            </a:r>
-            <a:r>
-              <a:rPr lang="en-US" baseline="0" dirty="0" smtClean="0"/>
-              <a:t> construction</a:t>
-            </a:r>
-          </a:p>
-          <a:p>
-            <a:pPr lvl="1"/>
-            <a:r>
-              <a:rPr lang="en-US" dirty="0" smtClean="0"/>
-              <a:t>Makes HW easier to use</a:t>
-            </a:r>
-          </a:p>
-          <a:p>
-            <a:pPr lvl="0"/>
-            <a:r>
-              <a:rPr lang="en-US" dirty="0" smtClean="0"/>
-              <a:t>Resource management</a:t>
-            </a:r>
-          </a:p>
-          <a:p>
-            <a:pPr lvl="1"/>
-            <a:r>
-              <a:rPr lang="en-US" dirty="0" smtClean="0"/>
-              <a:t>Allocate resources among </a:t>
-            </a:r>
-            <a:r>
-              <a:rPr lang="en-US" baseline="0" dirty="0" smtClean="0"/>
-              <a:t>application programs</a:t>
-            </a:r>
-          </a:p>
-          <a:p>
-            <a:r>
-              <a:rPr lang="en-US" dirty="0" smtClean="0"/>
-              <a:t>Protection</a:t>
-            </a:r>
-          </a:p>
-          <a:p>
-            <a:pPr lvl="1"/>
-            <a:r>
-              <a:rPr lang="en-US" dirty="0" smtClean="0"/>
-              <a:t>Protecting OS and applications from malfunctioning or malicious applications</a:t>
-            </a:r>
-            <a:endParaRPr lang="en-US" dirty="0"/>
-          </a:p>
-        </p:txBody>
-      </p:sp>
-    </p:spTree>
-    <p:extLst>
-      <p:ext uri="{BB962C8B-B14F-4D97-AF65-F5344CB8AC3E}">
-        <p14:creationId xmlns:p14="http://schemas.microsoft.com/office/powerpoint/2010/main" val="770823650"/>
-      </p:ext>
-    </p:extLst>
-  </p:cSld>
-  <p:clrMapOvr>
-    <a:masterClrMapping/>
-  </p:clrMapOvr>
-  <p:timing>
-    <p:tnLst>
-      <p:par>
-        <p:cTn id="1" dur="indefinite" restart="never" nodeType="tmRoot"/>
-      </p:par>
-    </p:tnLst>
-  </p:timing>
-</p:sld>
-</file>
-
-<file path=ppt/slides/slide28.xml><?xml version="1.0" encoding="utf-8"?>
-<p:sld xmlns:a="http://schemas.openxmlformats.org/drawingml/2006/main" xmlns:r="http://schemas.openxmlformats.org/officeDocument/2006/relationships" xmlns:p="http://schemas.openxmlformats.org/presentationml/2006/main">
-  <p:cSld>
-    <p:spTree>
-      <p:nvGrpSpPr>
-        <p:cNvPr id="1" name=""/>
-        <p:cNvGrpSpPr/>
-        <p:nvPr/>
-      </p:nvGrpSpPr>
-      <p:grpSpPr>
-        <a:xfrm>
-          <a:off x="0" y="0"/>
-          <a:ext cx="0" cy="0"/>
-          <a:chOff x="0" y="0"/>
-          <a:chExt cx="0" cy="0"/>
-        </a:xfrm>
-      </p:grpSpPr>
-      <p:sp>
-        <p:nvSpPr>
-          <p:cNvPr id="4098" name="Rectangle 2"/>
-          <p:cNvSpPr>
-            <a:spLocks noGrp="1" noChangeArrowheads="1"/>
-          </p:cNvSpPr>
-          <p:nvPr>
-            <p:ph type="title"/>
-          </p:nvPr>
-        </p:nvSpPr>
-        <p:spPr/>
-        <p:txBody>
-          <a:bodyPr/>
-          <a:lstStyle/>
-          <a:p>
-            <a:r>
-              <a:rPr lang="en-US" dirty="0"/>
-              <a:t>What Is an Operating System? </a:t>
-            </a:r>
-          </a:p>
-        </p:txBody>
-      </p:sp>
-      <p:sp>
-        <p:nvSpPr>
-          <p:cNvPr id="4099" name="Rectangle 3"/>
-          <p:cNvSpPr>
-            <a:spLocks noGrp="1" noChangeArrowheads="1"/>
-          </p:cNvSpPr>
-          <p:nvPr>
-            <p:ph type="body" idx="1"/>
-          </p:nvPr>
-        </p:nvSpPr>
-        <p:spPr/>
-        <p:txBody>
-          <a:bodyPr>
-            <a:normAutofit lnSpcReduction="10000"/>
-          </a:bodyPr>
-          <a:lstStyle/>
-          <a:p>
-            <a:r>
-              <a:rPr lang="en-US" sz="2400" dirty="0"/>
-              <a:t>Extension of hardware </a:t>
-            </a:r>
-          </a:p>
-          <a:p>
-            <a:r>
-              <a:rPr lang="en-US" sz="2400" dirty="0"/>
-              <a:t>Virtual machine interface and physical machine interface </a:t>
-            </a:r>
-          </a:p>
-          <a:p>
-            <a:r>
-              <a:rPr lang="en-US" sz="2400" dirty="0"/>
-              <a:t>Coordinate between applications and hardware resources (concurrency, device drivers, memory, file system and networking) </a:t>
-            </a:r>
-          </a:p>
-          <a:p>
-            <a:r>
-              <a:rPr lang="en-US" sz="2400" dirty="0"/>
-              <a:t>Standard services (library, window system) </a:t>
-            </a:r>
-          </a:p>
-          <a:p>
-            <a:r>
-              <a:rPr lang="en-US" sz="2400" dirty="0"/>
-              <a:t>What if you don't have an OS? </a:t>
-            </a:r>
-            <a:endParaRPr lang="en-US" sz="2400" dirty="0" smtClean="0"/>
-          </a:p>
-          <a:p>
-            <a:pPr lvl="1"/>
-            <a:r>
-              <a:rPr lang="en-US" sz="2000" dirty="0" smtClean="0"/>
-              <a:t>source </a:t>
-            </a:r>
-            <a:r>
-              <a:rPr lang="en-US" sz="2000" dirty="0"/>
-              <a:t>code -&gt; compiler -&gt; object code -&gt; hardware </a:t>
-            </a:r>
-          </a:p>
-          <a:p>
-            <a:r>
-              <a:rPr lang="en-US" sz="2400" dirty="0"/>
-              <a:t>What if you run </a:t>
-            </a:r>
-            <a:r>
-              <a:rPr lang="en-US" sz="2400" dirty="0" smtClean="0"/>
-              <a:t>one application </a:t>
-            </a:r>
-            <a:r>
-              <a:rPr lang="en-US" sz="2400" dirty="0"/>
-              <a:t>at a time?  Early </a:t>
-            </a:r>
-            <a:r>
-              <a:rPr lang="en-US" sz="2400" dirty="0" smtClean="0"/>
-              <a:t>DOS, </a:t>
-            </a:r>
-            <a:r>
-              <a:rPr lang="en-US" sz="2400" dirty="0"/>
-              <a:t>Libraries, device drivers, interrupt handler, No overlapping </a:t>
-            </a:r>
-          </a:p>
-          <a:p>
-            <a:endParaRPr lang="en-US" sz="2400" dirty="0"/>
-          </a:p>
-        </p:txBody>
-      </p:sp>
-    </p:spTree>
-    <p:extLst>
-      <p:ext uri="{BB962C8B-B14F-4D97-AF65-F5344CB8AC3E}">
-        <p14:creationId xmlns:p14="http://schemas.microsoft.com/office/powerpoint/2010/main" val="1648759469"/>
-      </p:ext>
-    </p:extLst>
-  </p:cSld>
-  <p:clrMapOvr>
-    <a:masterClrMapping/>
-  </p:clrMapOvr>
-  <p:timing>
-    <p:tnLst>
-      <p:par>
-        <p:cTn id="1" dur="indefinite" restart="never" nodeType="tmRoot"/>
-      </p:par>
-    </p:tnLst>
-  </p:timing>
-</p:sld>
-</file>
-
-<file path=ppt/slides/slide29.xml><?xml version="1.0" encoding="utf-8"?>
-<p:sld xmlns:a="http://schemas.openxmlformats.org/drawingml/2006/main" xmlns:r="http://schemas.openxmlformats.org/officeDocument/2006/relationships" xmlns:p="http://schemas.openxmlformats.org/presentationml/2006/main">
-  <p:cSld>
-    <p:spTree>
-      <p:nvGrpSpPr>
-        <p:cNvPr id="1" name=""/>
-        <p:cNvGrpSpPr/>
-        <p:nvPr/>
-      </p:nvGrpSpPr>
-      <p:grpSpPr>
-        <a:xfrm>
-          <a:off x="0" y="0"/>
-          <a:ext cx="0" cy="0"/>
-          <a:chOff x="0" y="0"/>
-          <a:chExt cx="0" cy="0"/>
-        </a:xfrm>
-      </p:grpSpPr>
-      <p:sp>
-        <p:nvSpPr>
-          <p:cNvPr id="46082" name="Rectangle 2"/>
-          <p:cNvSpPr>
-            <a:spLocks noGrp="1" noChangeArrowheads="1"/>
-          </p:cNvSpPr>
-          <p:nvPr>
-            <p:ph type="title"/>
-          </p:nvPr>
-        </p:nvSpPr>
-        <p:spPr/>
-        <p:txBody>
-          <a:bodyPr/>
-          <a:lstStyle/>
-          <a:p>
-            <a:r>
-              <a:rPr lang="nb-NO" dirty="0"/>
-              <a:t>HW</a:t>
-            </a:r>
-            <a:r>
-              <a:rPr lang="en-US" dirty="0"/>
-              <a:t> is expensive, human cheap </a:t>
-            </a:r>
-          </a:p>
-        </p:txBody>
-      </p:sp>
-      <p:sp>
-        <p:nvSpPr>
-          <p:cNvPr id="46083" name="Rectangle 3"/>
-          <p:cNvSpPr>
-            <a:spLocks noGrp="1" noChangeArrowheads="1"/>
-          </p:cNvSpPr>
-          <p:nvPr>
-            <p:ph type="body" idx="1"/>
-          </p:nvPr>
-        </p:nvSpPr>
-        <p:spPr/>
-        <p:txBody>
-          <a:bodyPr/>
-          <a:lstStyle/>
-          <a:p>
-            <a:pPr>
-              <a:lnSpc>
-                <a:spcPct val="90000"/>
-              </a:lnSpc>
-            </a:pPr>
-            <a:r>
-              <a:rPr lang="en-US" sz="2400" dirty="0"/>
-              <a:t>User at console, OS as subroutine library</a:t>
-            </a:r>
-          </a:p>
-          <a:p>
-            <a:pPr>
-              <a:lnSpc>
-                <a:spcPct val="90000"/>
-              </a:lnSpc>
-            </a:pPr>
-            <a:r>
-              <a:rPr lang="en-US" sz="2400" dirty="0"/>
-              <a:t>Batch monitor (no protection): load, run, print</a:t>
-            </a:r>
-          </a:p>
-          <a:p>
-            <a:pPr>
-              <a:lnSpc>
-                <a:spcPct val="90000"/>
-              </a:lnSpc>
-            </a:pPr>
-            <a:r>
-              <a:rPr lang="en-US" sz="2400" dirty="0"/>
-              <a:t>Data channels, interrupts: overlap I/O and CPU, </a:t>
-            </a:r>
-            <a:r>
-              <a:rPr lang="en-US" sz="2400" b="1" dirty="0"/>
-              <a:t>multiprogramming</a:t>
-            </a:r>
-            <a:endParaRPr lang="en-US" sz="2400" dirty="0"/>
-          </a:p>
-          <a:p>
-            <a:pPr>
-              <a:lnSpc>
-                <a:spcPct val="90000"/>
-              </a:lnSpc>
-            </a:pPr>
-            <a:r>
-              <a:rPr lang="en-US" sz="2400" dirty="0"/>
-              <a:t>DMA</a:t>
-            </a:r>
-          </a:p>
-          <a:p>
-            <a:pPr>
-              <a:lnSpc>
-                <a:spcPct val="90000"/>
-              </a:lnSpc>
-            </a:pPr>
-            <a:r>
-              <a:rPr lang="en-US" sz="2400" dirty="0"/>
-              <a:t>Memory protection: </a:t>
-            </a:r>
-            <a:r>
-              <a:rPr lang="en-US" sz="2400" dirty="0" smtClean="0"/>
-              <a:t>Restrain bugs </a:t>
-            </a:r>
-            <a:r>
-              <a:rPr lang="en-US" sz="2400" dirty="0"/>
-              <a:t>to individual programs</a:t>
-            </a:r>
-          </a:p>
-          <a:p>
-            <a:pPr>
-              <a:lnSpc>
-                <a:spcPct val="90000"/>
-              </a:lnSpc>
-            </a:pPr>
-            <a:r>
-              <a:rPr lang="en-US" sz="2400" dirty="0" err="1"/>
-              <a:t>Multics</a:t>
-            </a:r>
-            <a:r>
-              <a:rPr lang="en-US" sz="2400" dirty="0"/>
-              <a:t>: </a:t>
-            </a:r>
-            <a:r>
-              <a:rPr lang="en-US" sz="2400" dirty="0" smtClean="0"/>
-              <a:t>OS </a:t>
-            </a:r>
-            <a:r>
-              <a:rPr lang="en-US" sz="2400" dirty="0"/>
-              <a:t>designed 1963 and ran in </a:t>
-            </a:r>
-            <a:r>
-              <a:rPr lang="en-US" sz="2400" dirty="0" smtClean="0"/>
-              <a:t>1969</a:t>
-            </a:r>
-            <a:endParaRPr lang="en-US" sz="2400" dirty="0"/>
-          </a:p>
-          <a:p>
-            <a:pPr lvl="1">
-              <a:lnSpc>
-                <a:spcPct val="90000"/>
-              </a:lnSpc>
-            </a:pPr>
-            <a:r>
-              <a:rPr lang="en-US" sz="2000" dirty="0" smtClean="0"/>
-              <a:t>www.multicians.org</a:t>
-            </a:r>
-            <a:endParaRPr lang="en-US" sz="2000" dirty="0"/>
-          </a:p>
-          <a:p>
-            <a:pPr lvl="1">
-              <a:lnSpc>
-                <a:spcPct val="90000"/>
-              </a:lnSpc>
-            </a:pPr>
-            <a:r>
-              <a:rPr lang="en-US" sz="2000" dirty="0" smtClean="0"/>
-              <a:t>www.multicians.org/general.html#tag14</a:t>
-            </a:r>
-            <a:endParaRPr lang="en-US" sz="2000" dirty="0"/>
-          </a:p>
-          <a:p>
-            <a:pPr>
-              <a:lnSpc>
-                <a:spcPct val="90000"/>
-              </a:lnSpc>
-            </a:pPr>
-            <a:r>
-              <a:rPr lang="en-US" sz="2400" dirty="0"/>
-              <a:t>IBM 360 OS released with 1000 bugs</a:t>
-            </a:r>
-          </a:p>
-        </p:txBody>
-      </p:sp>
-    </p:spTree>
-    <p:extLst>
-      <p:ext uri="{BB962C8B-B14F-4D97-AF65-F5344CB8AC3E}">
-        <p14:creationId xmlns:p14="http://schemas.microsoft.com/office/powerpoint/2010/main" val="1485531510"/>
-      </p:ext>
-    </p:extLst>
-  </p:cSld>
-  <p:clrMapOvr>
-    <a:masterClrMapping/>
-  </p:clrMapOvr>
-  <p:timing>
-    <p:tnLst>
-      <p:par>
-        <p:cTn id="1" dur="indefinite" restart="never" nodeType="tmRoot"/>
-      </p:par>
-    </p:tnLst>
-  </p:timing>
-</p:sld>
-</file>
-
 <file path=ppt/slides/slide3.xml><?xml version="1.0" encoding="utf-8"?>
-<p:sld xmlns:a="http://schemas.openxmlformats.org/drawingml/2006/main" xmlns:r="http://schemas.openxmlformats.org/officeDocument/2006/relationships" xmlns:p="http://schemas.openxmlformats.org/presentationml/2006/main">
-  <p:cSld>
-    <p:spTree>
-      <p:nvGrpSpPr>
-        <p:cNvPr id="1" name=""/>
-        <p:cNvGrpSpPr/>
-        <p:nvPr/>
-      </p:nvGrpSpPr>
-      <p:grpSpPr>
-        <a:xfrm>
-          <a:off x="0" y="0"/>
-          <a:ext cx="0" cy="0"/>
-          <a:chOff x="0" y="0"/>
-          <a:chExt cx="0" cy="0"/>
-        </a:xfrm>
-      </p:grpSpPr>
-      <p:sp>
-        <p:nvSpPr>
-          <p:cNvPr id="5" name="Title 4"/>
-          <p:cNvSpPr>
-            <a:spLocks noGrp="1"/>
-          </p:cNvSpPr>
-          <p:nvPr>
-            <p:ph type="title"/>
-          </p:nvPr>
-        </p:nvSpPr>
-        <p:spPr/>
-        <p:txBody>
-          <a:bodyPr/>
-          <a:lstStyle/>
-          <a:p>
-            <a:endParaRPr lang="en-US" dirty="0"/>
-          </a:p>
-        </p:txBody>
-      </p:sp>
-      <p:sp>
-        <p:nvSpPr>
-          <p:cNvPr id="6" name="Content Placeholder 5"/>
-          <p:cNvSpPr>
-            <a:spLocks noGrp="1"/>
-          </p:cNvSpPr>
-          <p:nvPr>
-            <p:ph idx="1"/>
-          </p:nvPr>
-        </p:nvSpPr>
-        <p:spPr/>
-        <p:txBody>
-          <a:bodyPr/>
-          <a:lstStyle/>
-          <a:p>
-            <a:r>
-              <a:rPr lang="en-US" dirty="0" smtClean="0"/>
-              <a:t>Application</a:t>
-            </a:r>
-          </a:p>
-          <a:p>
-            <a:r>
-              <a:rPr lang="en-US" b="1" dirty="0" smtClean="0"/>
-              <a:t>Operating System</a:t>
-            </a:r>
-          </a:p>
-          <a:p>
-            <a:r>
-              <a:rPr lang="en-US" dirty="0" smtClean="0"/>
-              <a:t>Hardware</a:t>
-            </a:r>
-          </a:p>
-          <a:p>
-            <a:endParaRPr lang="en-US" dirty="0" smtClean="0"/>
-          </a:p>
-          <a:p>
-            <a:r>
-              <a:rPr lang="en-US" dirty="0" err="1" smtClean="0"/>
-              <a:t>OS’es</a:t>
-            </a:r>
-            <a:r>
-              <a:rPr lang="en-US" dirty="0" smtClean="0"/>
-              <a:t> </a:t>
-            </a:r>
-            <a:r>
-              <a:rPr lang="en-US" dirty="0"/>
-              <a:t>for many different types of devices</a:t>
-            </a:r>
-          </a:p>
-          <a:p>
-            <a:pPr lvl="1"/>
-            <a:r>
-              <a:rPr lang="en-US" dirty="0"/>
-              <a:t>Differing requirements (functionality, footprint, real-time)</a:t>
-            </a:r>
-          </a:p>
-          <a:p>
-            <a:r>
-              <a:rPr lang="en-US" dirty="0"/>
-              <a:t>Abstractions and many design issues are still shared</a:t>
-            </a:r>
-          </a:p>
-          <a:p>
-            <a:endParaRPr lang="en-US" dirty="0"/>
-          </a:p>
-        </p:txBody>
-      </p:sp>
-    </p:spTree>
-    <p:extLst>
-      <p:ext uri="{BB962C8B-B14F-4D97-AF65-F5344CB8AC3E}">
-        <p14:creationId xmlns:p14="http://schemas.microsoft.com/office/powerpoint/2010/main" val="481041068"/>
-      </p:ext>
-    </p:extLst>
-  </p:cSld>
-  <p:clrMapOvr>
-    <a:masterClrMapping/>
-  </p:clrMapOvr>
-</p:sld>
-</file>
-
-<file path=ppt/slides/slide30.xml><?xml version="1.0" encoding="utf-8"?>
-<p:sld xmlns:a="http://schemas.openxmlformats.org/drawingml/2006/main" xmlns:r="http://schemas.openxmlformats.org/officeDocument/2006/relationships" xmlns:p="http://schemas.openxmlformats.org/presentationml/2006/main">
-  <p:cSld>
-    <p:spTree>
-      <p:nvGrpSpPr>
-        <p:cNvPr id="1" name=""/>
-        <p:cNvGrpSpPr/>
-        <p:nvPr/>
-      </p:nvGrpSpPr>
-      <p:grpSpPr>
-        <a:xfrm>
-          <a:off x="0" y="0"/>
-          <a:ext cx="0" cy="0"/>
-          <a:chOff x="0" y="0"/>
-          <a:chExt cx="0" cy="0"/>
-        </a:xfrm>
-      </p:grpSpPr>
-      <p:sp>
-        <p:nvSpPr>
-          <p:cNvPr id="72706" name="Rectangle 2"/>
-          <p:cNvSpPr>
-            <a:spLocks noGrp="1" noChangeArrowheads="1"/>
-          </p:cNvSpPr>
-          <p:nvPr>
-            <p:ph type="title"/>
-          </p:nvPr>
-        </p:nvSpPr>
-        <p:spPr/>
-        <p:txBody>
-          <a:bodyPr/>
-          <a:lstStyle/>
-          <a:p>
-            <a:r>
-              <a:rPr lang="en-US" dirty="0"/>
-              <a:t>Is it challenging to write an OS?</a:t>
-            </a:r>
-          </a:p>
-        </p:txBody>
-      </p:sp>
-      <p:sp>
-        <p:nvSpPr>
-          <p:cNvPr id="72707" name="Rectangle 3"/>
-          <p:cNvSpPr>
-            <a:spLocks noGrp="1" noChangeArrowheads="1"/>
-          </p:cNvSpPr>
-          <p:nvPr>
-            <p:ph type="body" idx="1"/>
-          </p:nvPr>
-        </p:nvSpPr>
-        <p:spPr/>
-        <p:txBody>
-          <a:bodyPr/>
-          <a:lstStyle/>
-          <a:p>
-            <a:r>
-              <a:rPr lang="en-US" sz="2800"/>
-              <a:t>Yes, but you’ll manage. Employing your own efforts, and the assistance of fellow students, TA’s, and professors.</a:t>
-            </a:r>
-          </a:p>
-          <a:p>
-            <a:r>
-              <a:rPr lang="en-US" sz="2800"/>
-              <a:t>Low-level, architecture dependent programming</a:t>
-            </a:r>
-          </a:p>
-          <a:p>
-            <a:pPr lvl="1"/>
-            <a:r>
-              <a:rPr lang="en-US" sz="2400"/>
-              <a:t>We stick with only one architecture in only one configuration</a:t>
-            </a:r>
-          </a:p>
-          <a:p>
-            <a:r>
-              <a:rPr lang="en-US" sz="2800"/>
-              <a:t>Race-conditions</a:t>
-            </a:r>
-          </a:p>
-          <a:p>
-            <a:r>
-              <a:rPr lang="en-US" sz="2800" i="1"/>
-              <a:t>Let’s see (next slide) what a great computer scientist experienced some time ago …</a:t>
-            </a:r>
-          </a:p>
-          <a:p>
-            <a:endParaRPr lang="en-US" sz="2800" i="1"/>
-          </a:p>
-        </p:txBody>
-      </p:sp>
-    </p:spTree>
-    <p:extLst>
-      <p:ext uri="{BB962C8B-B14F-4D97-AF65-F5344CB8AC3E}">
-        <p14:creationId xmlns:p14="http://schemas.microsoft.com/office/powerpoint/2010/main" val="1573981332"/>
-      </p:ext>
-    </p:extLst>
-  </p:cSld>
-  <p:clrMapOvr>
-    <a:masterClrMapping/>
-  </p:clrMapOvr>
-  <p:timing>
-    <p:tnLst>
-      <p:par>
-        <p:cTn id="1" dur="indefinite" restart="never" nodeType="tmRoot"/>
-      </p:par>
-    </p:tnLst>
-  </p:timing>
-</p:sld>
-</file>
-
-<file path=ppt/slides/slide31.xml><?xml version="1.0" encoding="utf-8"?>
-<p:sld xmlns:a="http://schemas.openxmlformats.org/drawingml/2006/main" xmlns:r="http://schemas.openxmlformats.org/officeDocument/2006/relationships" xmlns:p="http://schemas.openxmlformats.org/presentationml/2006/main">
-  <p:cSld>
-    <p:spTree>
-      <p:nvGrpSpPr>
-        <p:cNvPr id="1" name=""/>
-        <p:cNvGrpSpPr/>
-        <p:nvPr/>
-      </p:nvGrpSpPr>
-      <p:grpSpPr>
-        <a:xfrm>
-          <a:off x="0" y="0"/>
-          <a:ext cx="0" cy="0"/>
-          <a:chOff x="0" y="0"/>
-          <a:chExt cx="0" cy="0"/>
-        </a:xfrm>
-      </p:grpSpPr>
-      <p:sp>
-        <p:nvSpPr>
-          <p:cNvPr id="10242" name="Rectangle 2"/>
-          <p:cNvSpPr>
-            <a:spLocks noGrp="1" noChangeArrowheads="1"/>
-          </p:cNvSpPr>
-          <p:nvPr>
-            <p:ph type="title"/>
-          </p:nvPr>
-        </p:nvSpPr>
-        <p:spPr/>
-        <p:txBody>
-          <a:bodyPr/>
-          <a:lstStyle/>
-          <a:p>
-            <a:r>
-              <a:rPr lang="nb-NO" dirty="0"/>
-              <a:t>60’s vs. </a:t>
-            </a:r>
-            <a:r>
-              <a:rPr lang="nb-NO" dirty="0" smtClean="0"/>
-              <a:t>2010’s</a:t>
-            </a:r>
-            <a:endParaRPr lang="en-US" dirty="0"/>
-          </a:p>
-        </p:txBody>
-      </p:sp>
-      <p:sp>
-        <p:nvSpPr>
-          <p:cNvPr id="10243" name="Rectangle 3"/>
-          <p:cNvSpPr>
-            <a:spLocks noGrp="1" noChangeArrowheads="1"/>
-          </p:cNvSpPr>
-          <p:nvPr>
-            <p:ph type="body" idx="1"/>
-          </p:nvPr>
-        </p:nvSpPr>
-        <p:spPr/>
-        <p:txBody>
-          <a:bodyPr/>
-          <a:lstStyle/>
-          <a:p>
-            <a:r>
-              <a:rPr lang="en-US" dirty="0"/>
-              <a:t>Today is like in the late 60s.  OS's are enormous </a:t>
-            </a:r>
-          </a:p>
-          <a:p>
-            <a:pPr lvl="1"/>
-            <a:r>
-              <a:rPr lang="en-US" dirty="0"/>
-              <a:t>small OS: 100k lines</a:t>
-            </a:r>
-          </a:p>
-          <a:p>
-            <a:pPr lvl="1"/>
-            <a:r>
-              <a:rPr lang="en-US" dirty="0"/>
-              <a:t>big OS: 10M lines</a:t>
-            </a:r>
-          </a:p>
-          <a:p>
-            <a:pPr lvl="1"/>
-            <a:r>
-              <a:rPr lang="en-US" dirty="0"/>
-              <a:t>100-1000 people years</a:t>
-            </a:r>
-          </a:p>
-          <a:p>
-            <a:r>
-              <a:rPr lang="en-US" dirty="0"/>
-              <a:t>But ~90% is device drivers</a:t>
-            </a:r>
-          </a:p>
-          <a:p>
-            <a:r>
-              <a:rPr lang="en-US" dirty="0"/>
-              <a:t>Project 5 (“post files”): ~6500 lines </a:t>
-            </a:r>
-            <a:r>
-              <a:rPr lang="en-US" dirty="0" smtClean="0">
-                <a:sym typeface="Wingdings" pitchFamily="2" charset="2"/>
-              </a:rPr>
-              <a:t></a:t>
-            </a:r>
-            <a:endParaRPr lang="en-US" dirty="0" smtClean="0">
-              <a:sym typeface="Wingdings" pitchFamily="2" charset="2"/>
-            </a:endParaRPr>
-          </a:p>
-        </p:txBody>
-      </p:sp>
-    </p:spTree>
-    <p:extLst>
-      <p:ext uri="{BB962C8B-B14F-4D97-AF65-F5344CB8AC3E}">
-        <p14:creationId xmlns:p14="http://schemas.microsoft.com/office/powerpoint/2010/main" val="2159260282"/>
-      </p:ext>
-    </p:extLst>
-  </p:cSld>
-  <p:clrMapOvr>
-    <a:masterClrMapping/>
-  </p:clrMapOvr>
-  <p:timing>
-    <p:tnLst>
-      <p:par>
-        <p:cTn id="1" dur="indefinite" restart="never" nodeType="tmRoot"/>
-      </p:par>
-    </p:tnLst>
-  </p:timing>
-</p:sld>
-</file>
-
-<file path=ppt/slides/slide32.xml><?xml version="1.0" encoding="utf-8"?>
-<p:sld xmlns:a="http://schemas.openxmlformats.org/drawingml/2006/main" xmlns:r="http://schemas.openxmlformats.org/officeDocument/2006/relationships" xmlns:p="http://schemas.openxmlformats.org/presentationml/2006/main">
-  <p:cSld>
-    <p:spTree>
-      <p:nvGrpSpPr>
-        <p:cNvPr id="1" name=""/>
-        <p:cNvGrpSpPr/>
-        <p:nvPr/>
-      </p:nvGrpSpPr>
-      <p:grpSpPr>
-        <a:xfrm>
-          <a:off x="0" y="0"/>
-          <a:ext cx="0" cy="0"/>
-          <a:chOff x="0" y="0"/>
-          <a:chExt cx="0" cy="0"/>
-        </a:xfrm>
-      </p:grpSpPr>
-      <p:sp>
-        <p:nvSpPr>
-          <p:cNvPr id="47106" name="Rectangle 2"/>
-          <p:cNvSpPr>
-            <a:spLocks noGrp="1" noChangeArrowheads="1"/>
-          </p:cNvSpPr>
-          <p:nvPr>
-            <p:ph type="title"/>
-          </p:nvPr>
-        </p:nvSpPr>
-        <p:spPr/>
-        <p:txBody>
-          <a:bodyPr/>
-          <a:lstStyle/>
-          <a:p>
-            <a:r>
-              <a:rPr lang="nb-NO" dirty="0"/>
-              <a:t>HW</a:t>
-            </a:r>
-            <a:r>
-              <a:rPr lang="en-US" dirty="0"/>
-              <a:t> cheap, human expensive </a:t>
-            </a:r>
-          </a:p>
-        </p:txBody>
-      </p:sp>
-      <p:sp>
-        <p:nvSpPr>
-          <p:cNvPr id="47107" name="Rectangle 3"/>
-          <p:cNvSpPr>
-            <a:spLocks noGrp="1" noChangeArrowheads="1"/>
-          </p:cNvSpPr>
-          <p:nvPr>
-            <p:ph type="body" idx="1"/>
-          </p:nvPr>
-        </p:nvSpPr>
-        <p:spPr/>
-        <p:txBody>
-          <a:bodyPr/>
-          <a:lstStyle/>
-          <a:p>
-            <a:r>
-              <a:rPr lang="en-US" dirty="0"/>
-              <a:t>Use cheap terminals to let multiple users share a computer, </a:t>
-            </a:r>
-            <a:r>
-              <a:rPr lang="en-US" b="1" dirty="0"/>
-              <a:t>interactive timesharing</a:t>
-            </a:r>
-            <a:endParaRPr lang="en-US" dirty="0"/>
-          </a:p>
-          <a:p>
-            <a:r>
-              <a:rPr lang="en-US" dirty="0"/>
-              <a:t>Unix enters the mainstream</a:t>
-            </a:r>
-          </a:p>
-          <a:p>
-            <a:r>
-              <a:rPr lang="en-US" dirty="0"/>
-              <a:t>Problems: </a:t>
-            </a:r>
-            <a:r>
-              <a:rPr lang="en-US" dirty="0" smtClean="0"/>
-              <a:t>Thrashing </a:t>
-            </a:r>
-            <a:r>
-              <a:rPr lang="en-US" dirty="0"/>
-              <a:t>as the number of users increases </a:t>
-            </a:r>
-          </a:p>
-        </p:txBody>
-      </p:sp>
-    </p:spTree>
-    <p:extLst>
-      <p:ext uri="{BB962C8B-B14F-4D97-AF65-F5344CB8AC3E}">
-        <p14:creationId xmlns:p14="http://schemas.microsoft.com/office/powerpoint/2010/main" val="1791587311"/>
-      </p:ext>
-    </p:extLst>
-  </p:cSld>
-  <p:clrMapOvr>
-    <a:masterClrMapping/>
-  </p:clrMapOvr>
-  <p:timing>
-    <p:tnLst>
-      <p:par>
-        <p:cTn id="1" dur="indefinite" restart="never" nodeType="tmRoot"/>
-      </p:par>
-    </p:tnLst>
-  </p:timing>
-</p:sld>
-</file>
-
-<file path=ppt/slides/slide33.xml><?xml version="1.0" encoding="utf-8"?>
-<p:sld xmlns:a="http://schemas.openxmlformats.org/drawingml/2006/main" xmlns:r="http://schemas.openxmlformats.org/officeDocument/2006/relationships" xmlns:p="http://schemas.openxmlformats.org/presentationml/2006/main">
-  <p:cSld>
-    <p:spTree>
-      <p:nvGrpSpPr>
-        <p:cNvPr id="1" name=""/>
-        <p:cNvGrpSpPr/>
-        <p:nvPr/>
-      </p:nvGrpSpPr>
-      <p:grpSpPr>
-        <a:xfrm>
-          <a:off x="0" y="0"/>
-          <a:ext cx="0" cy="0"/>
-          <a:chOff x="0" y="0"/>
-          <a:chExt cx="0" cy="0"/>
-        </a:xfrm>
-      </p:grpSpPr>
-      <p:sp>
-        <p:nvSpPr>
-          <p:cNvPr id="48130" name="Rectangle 2"/>
-          <p:cNvSpPr>
-            <a:spLocks noGrp="1" noChangeArrowheads="1"/>
-          </p:cNvSpPr>
-          <p:nvPr>
-            <p:ph type="title"/>
-          </p:nvPr>
-        </p:nvSpPr>
-        <p:spPr/>
-        <p:txBody>
-          <a:bodyPr>
-            <a:normAutofit/>
-          </a:bodyPr>
-          <a:lstStyle/>
-          <a:p>
-            <a:r>
-              <a:rPr lang="nb-NO" dirty="0"/>
-              <a:t>HW</a:t>
-            </a:r>
-            <a:r>
-              <a:rPr lang="en-US" dirty="0"/>
-              <a:t> cheaper, human more expensive </a:t>
-            </a:r>
-          </a:p>
-        </p:txBody>
-      </p:sp>
-      <p:sp>
-        <p:nvSpPr>
-          <p:cNvPr id="48131" name="Rectangle 3"/>
-          <p:cNvSpPr>
-            <a:spLocks noGrp="1" noChangeArrowheads="1"/>
-          </p:cNvSpPr>
-          <p:nvPr>
-            <p:ph type="body" idx="1"/>
-          </p:nvPr>
-        </p:nvSpPr>
-        <p:spPr>
-          <a:xfrm>
-            <a:off x="685800" y="1752600"/>
-            <a:ext cx="7772400" cy="4733604"/>
-          </a:xfrm>
-        </p:spPr>
-        <p:txBody>
-          <a:bodyPr>
-            <a:normAutofit/>
-          </a:bodyPr>
-          <a:lstStyle/>
-          <a:p>
-            <a:r>
-              <a:rPr lang="en-US" dirty="0" smtClean="0">
-                <a:hlinkClick r:id="rId2"/>
-              </a:rPr>
-              <a:t>Alto </a:t>
-            </a:r>
-            <a:r>
-              <a:rPr lang="en-US" dirty="0"/>
-              <a:t>OS: Ethernet, Bitmap display, laser printer and pop-menu window interface, e-mail, publishing software </a:t>
-            </a:r>
-            <a:r>
-              <a:rPr lang="en-US" dirty="0" err="1"/>
-              <a:t>etc</a:t>
-            </a:r>
-            <a:endParaRPr lang="en-US" dirty="0"/>
-          </a:p>
-          <a:p>
-            <a:r>
-              <a:rPr lang="en-US" dirty="0"/>
-              <a:t>Personal computer</a:t>
-            </a:r>
-            <a:r>
-              <a:rPr lang="nb-NO" dirty="0"/>
-              <a:t>s</a:t>
-            </a:r>
-            <a:r>
-              <a:rPr lang="en-US" dirty="0"/>
-              <a:t> </a:t>
-            </a:r>
-          </a:p>
-          <a:p>
-            <a:pPr lvl="1"/>
-            <a:r>
-              <a:rPr lang="en-US" dirty="0"/>
-              <a:t>Initially library and later with memory protection and </a:t>
-            </a:r>
-            <a:r>
-              <a:rPr lang="en-US" dirty="0" smtClean="0"/>
-              <a:t>multiprogramming</a:t>
-            </a:r>
-          </a:p>
-          <a:p>
-            <a:r>
-              <a:rPr lang="en-US" dirty="0" smtClean="0"/>
-              <a:t>Workstations </a:t>
-            </a:r>
-          </a:p>
-          <a:p>
-            <a:pPr lvl="1"/>
-            <a:r>
-              <a:rPr lang="en-US" dirty="0" err="1" smtClean="0"/>
-              <a:t>Engelbart</a:t>
-            </a:r>
-            <a:r>
-              <a:rPr lang="en-US" dirty="0" smtClean="0"/>
-              <a:t>: Mother of all demos</a:t>
-            </a:r>
-          </a:p>
-          <a:p>
-            <a:pPr lvl="1"/>
-            <a:r>
-              <a:rPr lang="en-US" dirty="0" smtClean="0"/>
-              <a:t>3M machines: 1MIPS, 1MB, 1M pixels</a:t>
-            </a:r>
-            <a:endParaRPr lang="en-US" dirty="0"/>
-          </a:p>
-        </p:txBody>
-      </p:sp>
-    </p:spTree>
-    <p:extLst>
-      <p:ext uri="{BB962C8B-B14F-4D97-AF65-F5344CB8AC3E}">
-        <p14:creationId xmlns:p14="http://schemas.microsoft.com/office/powerpoint/2010/main" val="1324698027"/>
-      </p:ext>
-    </p:extLst>
-  </p:cSld>
-  <p:clrMapOvr>
-    <a:masterClrMapping/>
-  </p:clrMapOvr>
-  <p:timing>
-    <p:tnLst>
-      <p:par>
-        <p:cTn id="1" dur="indefinite" restart="never" nodeType="tmRoot"/>
-      </p:par>
-    </p:tnLst>
-  </p:timing>
-</p:sld>
-</file>
-
-<file path=ppt/slides/slide4.xml><?xml version="1.0" encoding="utf-8"?>
 <p:sld xmlns:a="http://schemas.openxmlformats.org/drawingml/2006/main" xmlns:r="http://schemas.openxmlformats.org/officeDocument/2006/relationships" xmlns:p="http://schemas.openxmlformats.org/presentationml/2006/main">
   <p:cSld>
     <p:spTree>
@@ -8759,6 +6992,156 @@
 </p:sld>
 </file>
 
+<file path=ppt/slides/slide4.xml><?xml version="1.0" encoding="utf-8"?>
+<p:sld xmlns:a="http://schemas.openxmlformats.org/drawingml/2006/main" xmlns:r="http://schemas.openxmlformats.org/officeDocument/2006/relationships" xmlns:p="http://schemas.openxmlformats.org/presentationml/2006/main">
+  <p:cSld>
+    <p:spTree>
+      <p:nvGrpSpPr>
+        <p:cNvPr id="1" name=""/>
+        <p:cNvGrpSpPr/>
+        <p:nvPr/>
+      </p:nvGrpSpPr>
+      <p:grpSpPr>
+        <a:xfrm>
+          <a:off x="0" y="0"/>
+          <a:ext cx="0" cy="0"/>
+          <a:chOff x="0" y="0"/>
+          <a:chExt cx="0" cy="0"/>
+        </a:xfrm>
+      </p:grpSpPr>
+      <p:sp>
+        <p:nvSpPr>
+          <p:cNvPr id="3" name="Content Placeholder 2"/>
+          <p:cNvSpPr>
+            <a:spLocks noGrp="1"/>
+          </p:cNvSpPr>
+          <p:nvPr>
+            <p:ph sz="half" idx="1"/>
+          </p:nvPr>
+        </p:nvSpPr>
+        <p:spPr/>
+        <p:txBody>
+          <a:bodyPr/>
+          <a:lstStyle/>
+          <a:p>
+            <a:r>
+              <a:rPr lang="en-US" dirty="0"/>
+              <a:t>Multics</a:t>
+            </a:r>
+          </a:p>
+          <a:p>
+            <a:r>
+              <a:rPr lang="en-US" dirty="0"/>
+              <a:t>IBM OS/360</a:t>
+            </a:r>
+          </a:p>
+          <a:p>
+            <a:r>
+              <a:rPr lang="en-US" dirty="0"/>
+              <a:t>IBM VM/370</a:t>
+            </a:r>
+          </a:p>
+          <a:p>
+            <a:r>
+              <a:rPr lang="en-US" dirty="0"/>
+              <a:t>MS-DOS</a:t>
+            </a:r>
+          </a:p>
+          <a:p>
+            <a:r>
+              <a:rPr lang="en-US" dirty="0" err="1"/>
+              <a:t>Unix’es</a:t>
+            </a:r>
+            <a:endParaRPr lang="en-US" dirty="0"/>
+          </a:p>
+          <a:p>
+            <a:r>
+              <a:rPr lang="en-US" dirty="0"/>
+              <a:t>Mach</a:t>
+            </a:r>
+          </a:p>
+          <a:p>
+            <a:r>
+              <a:rPr lang="en-US" dirty="0"/>
+              <a:t>L4</a:t>
+            </a:r>
+          </a:p>
+          <a:p>
+            <a:r>
+              <a:rPr lang="en-US" dirty="0" err="1"/>
+              <a:t>Exokernel</a:t>
+            </a:r>
+            <a:endParaRPr lang="en-US" dirty="0"/>
+          </a:p>
+          <a:p>
+            <a:r>
+              <a:rPr lang="en-US" dirty="0"/>
+              <a:t>…</a:t>
+            </a:r>
+          </a:p>
+        </p:txBody>
+      </p:sp>
+      <p:sp>
+        <p:nvSpPr>
+          <p:cNvPr id="4" name="Content Placeholder 3"/>
+          <p:cNvSpPr>
+            <a:spLocks noGrp="1"/>
+          </p:cNvSpPr>
+          <p:nvPr>
+            <p:ph sz="half" idx="2"/>
+          </p:nvPr>
+        </p:nvSpPr>
+        <p:spPr/>
+        <p:txBody>
+          <a:bodyPr/>
+          <a:lstStyle/>
+          <a:p>
+            <a:r>
+              <a:rPr lang="en-US" dirty="0" err="1"/>
+              <a:t>Barrelfish</a:t>
+            </a:r>
+            <a:endParaRPr lang="en-US" dirty="0"/>
+          </a:p>
+          <a:p>
+            <a:r>
+              <a:rPr lang="en-US" dirty="0"/>
+              <a:t>Corey/ The Library OS</a:t>
+            </a:r>
+          </a:p>
+          <a:p>
+            <a:r>
+              <a:rPr lang="en-US" dirty="0" err="1"/>
+              <a:t>Tesselation</a:t>
+            </a:r>
+            <a:endParaRPr lang="en-US" dirty="0"/>
+          </a:p>
+          <a:p>
+            <a:r>
+              <a:rPr lang="en-US" dirty="0"/>
+              <a:t>Vortex</a:t>
+            </a:r>
+          </a:p>
+          <a:p>
+            <a:r>
+              <a:rPr lang="en-US" dirty="0"/>
+              <a:t>…</a:t>
+            </a:r>
+          </a:p>
+        </p:txBody>
+      </p:sp>
+    </p:spTree>
+    <p:extLst>
+      <p:ext uri="{BB962C8B-B14F-4D97-AF65-F5344CB8AC3E}">
+        <p14:creationId xmlns:p14="http://schemas.microsoft.com/office/powerpoint/2010/main" val="1225801966"/>
+      </p:ext>
+    </p:extLst>
+  </p:cSld>
+  <p:clrMapOvr>
+    <a:masterClrMapping/>
+  </p:clrMapOvr>
+</p:sld>
+</file>
+
 <file path=ppt/slides/slide5.xml><?xml version="1.0" encoding="utf-8"?>
 <p:sld xmlns:a="http://schemas.openxmlformats.org/drawingml/2006/main" xmlns:r="http://schemas.openxmlformats.org/officeDocument/2006/relationships" xmlns:p="http://schemas.openxmlformats.org/presentationml/2006/main">
   <p:cSld>
@@ -8778,12 +7161,12 @@
       </p:grpSpPr>
       <p:sp>
         <p:nvSpPr>
-          <p:cNvPr id="3" name="Content Placeholder 2"/>
+          <p:cNvPr id="5" name="Title 4"/>
           <p:cNvSpPr>
             <a:spLocks noGrp="1"/>
           </p:cNvSpPr>
           <p:nvPr>
-            <p:ph sz="half" idx="1"/>
+            <p:ph type="title"/>
           </p:nvPr>
         </p:nvSpPr>
         <p:spPr/>
@@ -8791,72 +7174,18 @@
           <a:bodyPr/>
           <a:lstStyle/>
           <a:p>
-            <a:r>
-              <a:rPr lang="en-US" dirty="0" smtClean="0"/>
-              <a:t>Multics</a:t>
-            </a:r>
-          </a:p>
-          <a:p>
-            <a:r>
-              <a:rPr lang="en-US" dirty="0" smtClean="0"/>
-              <a:t>IBM OS/360</a:t>
-            </a:r>
-          </a:p>
-          <a:p>
-            <a:r>
-              <a:rPr lang="en-US" dirty="0" smtClean="0"/>
-              <a:t>IBM VM/370</a:t>
-            </a:r>
-          </a:p>
-          <a:p>
-            <a:r>
-              <a:rPr lang="en-US" dirty="0" smtClean="0"/>
-              <a:t>MS-DOS</a:t>
-            </a:r>
-          </a:p>
-          <a:p>
-            <a:r>
-              <a:rPr lang="en-US" dirty="0" err="1" smtClean="0"/>
-              <a:t>Unix’es</a:t>
-            </a:r>
-            <a:endParaRPr lang="en-US" dirty="0" smtClean="0"/>
-          </a:p>
-          <a:p>
-            <a:r>
-              <a:rPr lang="en-US" dirty="0" smtClean="0"/>
-              <a:t>Mach</a:t>
-            </a:r>
-          </a:p>
-          <a:p>
-            <a:r>
-              <a:rPr lang="en-US" dirty="0" smtClean="0"/>
-              <a:t>L4</a:t>
-            </a:r>
-          </a:p>
-          <a:p>
-            <a:r>
-              <a:rPr lang="en-US" dirty="0" err="1" smtClean="0"/>
-              <a:t>Exokernel</a:t>
-            </a:r>
-            <a:endParaRPr lang="en-US" dirty="0" smtClean="0"/>
-          </a:p>
-          <a:p>
-            <a:r>
-              <a:rPr lang="en-US" dirty="0" smtClean="0"/>
-              <a:t>…</a:t>
-            </a:r>
             <a:endParaRPr lang="en-US" dirty="0"/>
           </a:p>
         </p:txBody>
       </p:sp>
       <p:sp>
         <p:nvSpPr>
-          <p:cNvPr id="4" name="Content Placeholder 3"/>
+          <p:cNvPr id="6" name="Content Placeholder 5"/>
           <p:cNvSpPr>
             <a:spLocks noGrp="1"/>
           </p:cNvSpPr>
           <p:nvPr>
-            <p:ph sz="half" idx="2"/>
+            <p:ph idx="1"/>
           </p:nvPr>
         </p:nvSpPr>
         <p:spPr/>
@@ -8865,35 +7194,49 @@
           <a:lstStyle/>
           <a:p>
             <a:r>
-              <a:rPr lang="en-US" dirty="0" err="1" smtClean="0"/>
-              <a:t>Barrelfish</a:t>
-            </a:r>
-            <a:endParaRPr lang="en-US" dirty="0" smtClean="0"/>
-          </a:p>
-          <a:p>
-            <a:r>
-              <a:rPr lang="en-US" dirty="0" smtClean="0"/>
-              <a:t>Corey/ The Library OS</a:t>
-            </a:r>
-          </a:p>
-          <a:p>
-            <a:r>
-              <a:rPr lang="en-US" dirty="0" err="1" smtClean="0"/>
-              <a:t>Tesselation</a:t>
-            </a:r>
+              <a:rPr lang="en-US" dirty="0"/>
+              <a:t>Application</a:t>
+            </a:r>
+          </a:p>
+          <a:p>
+            <a:r>
+              <a:rPr lang="en-US" b="1" dirty="0"/>
+              <a:t>Operating System</a:t>
+            </a:r>
+          </a:p>
+          <a:p>
+            <a:r>
+              <a:rPr lang="en-US" dirty="0"/>
+              <a:t>Hardware</a:t>
+            </a:r>
+          </a:p>
+          <a:p>
             <a:endParaRPr lang="en-US" dirty="0"/>
           </a:p>
           <a:p>
             <a:r>
-              <a:rPr lang="en-US" dirty="0" smtClean="0"/>
-              <a:t>Vortex</a:t>
-            </a:r>
-          </a:p>
-          <a:p>
-            <a:r>
-              <a:rPr lang="en-US" dirty="0" smtClean="0"/>
-              <a:t>…</a:t>
-            </a:r>
+              <a:rPr lang="en-US" dirty="0" err="1"/>
+              <a:t>OS’es</a:t>
+            </a:r>
+            <a:r>
+              <a:rPr lang="en-US" dirty="0"/>
+              <a:t> for many different types of devices</a:t>
+            </a:r>
+          </a:p>
+          <a:p>
+            <a:pPr lvl="1"/>
+            <a:r>
+              <a:rPr lang="en-US" dirty="0"/>
+              <a:t>Differing requirements (functionality, footprint, real-time)</a:t>
+            </a:r>
+          </a:p>
+          <a:p>
+            <a:r>
+              <a:rPr lang="en-US" dirty="0"/>
+              <a:t>Abstractions and many design issues are still shared</a:t>
+            </a:r>
+          </a:p>
+          <a:p>
             <a:endParaRPr lang="en-US" dirty="0"/>
           </a:p>
         </p:txBody>
@@ -8901,7 +7244,7 @@
     </p:spTree>
     <p:extLst>
       <p:ext uri="{BB962C8B-B14F-4D97-AF65-F5344CB8AC3E}">
-        <p14:creationId xmlns:p14="http://schemas.microsoft.com/office/powerpoint/2010/main" val="1225801966"/>
+        <p14:creationId xmlns:p14="http://schemas.microsoft.com/office/powerpoint/2010/main" val="481041068"/>
       </p:ext>
     </p:extLst>
   </p:cSld>
@@ -8928,97 +7271,63 @@
           <a:chExt cx="0" cy="0"/>
         </a:xfrm>
       </p:grpSpPr>
-      <p:sp>
-        <p:nvSpPr>
-          <p:cNvPr id="2" name="Title 1"/>
-          <p:cNvSpPr>
-            <a:spLocks noGrp="1"/>
-          </p:cNvSpPr>
-          <p:nvPr>
-            <p:ph type="title"/>
-          </p:nvPr>
-        </p:nvSpPr>
-        <p:spPr/>
-        <p:txBody>
-          <a:bodyPr/>
+      <p:pic>
+        <p:nvPicPr>
+          <p:cNvPr id="5" name="Picture 4"/>
+          <p:cNvPicPr>
+            <a:picLocks noChangeAspect="1"/>
+          </p:cNvPicPr>
+          <p:nvPr/>
+        </p:nvPicPr>
+        <p:blipFill>
+          <a:blip r:embed="rId2"/>
+          <a:stretch>
+            <a:fillRect/>
+          </a:stretch>
+        </p:blipFill>
+        <p:spPr>
+          <a:xfrm>
+            <a:off x="324764" y="1784314"/>
+            <a:ext cx="8657058" cy="2781630"/>
+          </a:xfrm>
+          <a:prstGeom prst="rect">
+            <a:avLst/>
+          </a:prstGeom>
+        </p:spPr>
+      </p:pic>
+      <p:sp>
+        <p:nvSpPr>
+          <p:cNvPr id="6" name="TextBox 5"/>
+          <p:cNvSpPr txBox="1"/>
+          <p:nvPr/>
+        </p:nvSpPr>
+        <p:spPr>
+          <a:xfrm>
+            <a:off x="2507030" y="5204844"/>
+            <a:ext cx="3974421" cy="369332"/>
+          </a:xfrm>
+          <a:prstGeom prst="rect">
+            <a:avLst/>
+          </a:prstGeom>
+          <a:noFill/>
+        </p:spPr>
+        <p:txBody>
+          <a:bodyPr wrap="none" rtlCol="0">
+            <a:spAutoFit/>
+          </a:bodyPr>
           <a:lstStyle/>
           <a:p>
             <a:r>
-              <a:rPr lang="en-US" dirty="0" smtClean="0"/>
-              <a:t>New challenges</a:t>
-            </a:r>
-            <a:endParaRPr lang="en-US" dirty="0"/>
-          </a:p>
-        </p:txBody>
-      </p:sp>
-      <p:sp>
-        <p:nvSpPr>
-          <p:cNvPr id="5" name="Content Placeholder 4"/>
-          <p:cNvSpPr>
-            <a:spLocks noGrp="1"/>
-          </p:cNvSpPr>
-          <p:nvPr>
-            <p:ph idx="1"/>
-          </p:nvPr>
-        </p:nvSpPr>
-        <p:spPr/>
-        <p:txBody>
-          <a:bodyPr/>
-          <a:lstStyle/>
-          <a:p>
-            <a:r>
-              <a:rPr lang="en-US" dirty="0" smtClean="0"/>
-              <a:t>1000s of cores</a:t>
-            </a:r>
-          </a:p>
-          <a:p>
-            <a:r>
-              <a:rPr lang="en-US" dirty="0" smtClean="0"/>
-              <a:t>TB’s of memory</a:t>
-            </a:r>
-          </a:p>
-          <a:p>
-            <a:r>
-              <a:rPr lang="en-US" dirty="0" smtClean="0"/>
-              <a:t>100’000s of machines</a:t>
-            </a:r>
-          </a:p>
-          <a:p>
-            <a:r>
-              <a:rPr lang="en-US" dirty="0" smtClean="0"/>
-              <a:t>GPU, accelerators</a:t>
-            </a:r>
-          </a:p>
-          <a:p>
-            <a:r>
-              <a:rPr lang="en-US" dirty="0" smtClean="0"/>
-              <a:t>Power usage</a:t>
-            </a:r>
-          </a:p>
-          <a:p>
-            <a:r>
-              <a:rPr lang="en-US" dirty="0" smtClean="0"/>
-              <a:t>Sensors</a:t>
-            </a:r>
-          </a:p>
-          <a:p>
-            <a:r>
-              <a:rPr lang="en-US" dirty="0" smtClean="0"/>
-              <a:t>…</a:t>
-            </a:r>
-          </a:p>
-          <a:p>
-            <a:endParaRPr lang="en-US" dirty="0" smtClean="0"/>
-          </a:p>
-          <a:p>
-            <a:endParaRPr lang="en-US" dirty="0"/>
+              <a:rPr lang="en-US" dirty="0"/>
+              <a:t>http://pages.cs.wisc.edu/~remzi/OSTEP/</a:t>
+            </a:r>
           </a:p>
         </p:txBody>
       </p:sp>
     </p:spTree>
     <p:extLst>
       <p:ext uri="{BB962C8B-B14F-4D97-AF65-F5344CB8AC3E}">
-        <p14:creationId xmlns:p14="http://schemas.microsoft.com/office/powerpoint/2010/main" val="926064327"/>
+        <p14:creationId xmlns:p14="http://schemas.microsoft.com/office/powerpoint/2010/main" val="749105989"/>
       </p:ext>
     </p:extLst>
   </p:cSld>
@@ -9061,18 +7370,133 @@
           <a:lstStyle/>
           <a:p>
             <a:r>
-              <a:rPr lang="en-US" dirty="0" smtClean="0"/>
+              <a:rPr lang="en-US" dirty="0"/>
+              <a:t>New challenges</a:t>
+            </a:r>
+          </a:p>
+        </p:txBody>
+      </p:sp>
+      <p:sp>
+        <p:nvSpPr>
+          <p:cNvPr id="5" name="Content Placeholder 4"/>
+          <p:cNvSpPr>
+            <a:spLocks noGrp="1"/>
+          </p:cNvSpPr>
+          <p:nvPr>
+            <p:ph idx="1"/>
+          </p:nvPr>
+        </p:nvSpPr>
+        <p:spPr/>
+        <p:txBody>
+          <a:bodyPr/>
+          <a:lstStyle/>
+          <a:p>
+            <a:r>
+              <a:rPr lang="en-US" dirty="0"/>
+              <a:t>1000s of cores</a:t>
+            </a:r>
+          </a:p>
+          <a:p>
+            <a:r>
+              <a:rPr lang="en-US" dirty="0"/>
+              <a:t>TB’s of memory</a:t>
+            </a:r>
+          </a:p>
+          <a:p>
+            <a:r>
+              <a:rPr lang="en-US" dirty="0"/>
+              <a:t>100’000s of machines</a:t>
+            </a:r>
+          </a:p>
+          <a:p>
+            <a:r>
+              <a:rPr lang="en-US" dirty="0"/>
+              <a:t>GPU, accelerators</a:t>
+            </a:r>
+          </a:p>
+          <a:p>
+            <a:r>
+              <a:rPr lang="en-US" dirty="0"/>
+              <a:t>Power usage</a:t>
+            </a:r>
+          </a:p>
+          <a:p>
+            <a:r>
+              <a:rPr lang="en-US" dirty="0"/>
+              <a:t>Sensors</a:t>
+            </a:r>
+          </a:p>
+          <a:p>
+            <a:r>
+              <a:rPr lang="en-US" dirty="0"/>
+              <a:t>…</a:t>
+            </a:r>
+          </a:p>
+          <a:p>
+            <a:endParaRPr lang="en-US" dirty="0"/>
+          </a:p>
+          <a:p>
+            <a:endParaRPr lang="en-US" dirty="0"/>
+          </a:p>
+        </p:txBody>
+      </p:sp>
+    </p:spTree>
+    <p:extLst>
+      <p:ext uri="{BB962C8B-B14F-4D97-AF65-F5344CB8AC3E}">
+        <p14:creationId xmlns:p14="http://schemas.microsoft.com/office/powerpoint/2010/main" val="926064327"/>
+      </p:ext>
+    </p:extLst>
+  </p:cSld>
+  <p:clrMapOvr>
+    <a:masterClrMapping/>
+  </p:clrMapOvr>
+</p:sld>
+</file>
+
+<file path=ppt/slides/slide8.xml><?xml version="1.0" encoding="utf-8"?>
+<p:sld xmlns:a="http://schemas.openxmlformats.org/drawingml/2006/main" xmlns:r="http://schemas.openxmlformats.org/officeDocument/2006/relationships" xmlns:p="http://schemas.openxmlformats.org/presentationml/2006/main">
+  <p:cSld>
+    <p:spTree>
+      <p:nvGrpSpPr>
+        <p:cNvPr id="1" name=""/>
+        <p:cNvGrpSpPr/>
+        <p:nvPr/>
+      </p:nvGrpSpPr>
+      <p:grpSpPr>
+        <a:xfrm>
+          <a:off x="0" y="0"/>
+          <a:ext cx="0" cy="0"/>
+          <a:chOff x="0" y="0"/>
+          <a:chExt cx="0" cy="0"/>
+        </a:xfrm>
+      </p:grpSpPr>
+      <p:sp>
+        <p:nvSpPr>
+          <p:cNvPr id="2" name="Title 1"/>
+          <p:cNvSpPr>
+            <a:spLocks noGrp="1"/>
+          </p:cNvSpPr>
+          <p:nvPr>
+            <p:ph type="title"/>
+          </p:nvPr>
+        </p:nvSpPr>
+        <p:spPr/>
+        <p:txBody>
+          <a:bodyPr/>
+          <a:lstStyle/>
+          <a:p>
+            <a:r>
+              <a:rPr lang="en-US" dirty="0"/>
               <a:t>Future </a:t>
             </a:r>
             <a:r>
-              <a:rPr lang="en-US" dirty="0" err="1" smtClean="0"/>
+              <a:rPr lang="en-US" dirty="0" err="1"/>
               <a:t>OS’es</a:t>
             </a:r>
             <a:r>
-              <a:rPr lang="en-US" dirty="0" smtClean="0"/>
+              <a:rPr lang="en-US" dirty="0"/>
               <a:t>?</a:t>
             </a:r>
-            <a:endParaRPr lang="en-US" dirty="0"/>
           </a:p>
         </p:txBody>
       </p:sp>
@@ -9166,7 +7590,7 @@
         </p:blipFill>
         <p:spPr bwMode="auto">
           <a:xfrm>
-            <a:off x="1787795" y="4454802"/>
+            <a:off x="1725165" y="4454802"/>
             <a:ext cx="1794337" cy="2039019"/>
           </a:xfrm>
           <a:prstGeom prst="rect">
@@ -9236,89 +7660,6 @@
 </p:sld>
 </file>
 
-<file path=ppt/slides/slide8.xml><?xml version="1.0" encoding="utf-8"?>
-<p:sld xmlns:a="http://schemas.openxmlformats.org/drawingml/2006/main" xmlns:r="http://schemas.openxmlformats.org/officeDocument/2006/relationships" xmlns:p="http://schemas.openxmlformats.org/presentationml/2006/main">
-  <p:cSld>
-    <p:spTree>
-      <p:nvGrpSpPr>
-        <p:cNvPr id="1" name=""/>
-        <p:cNvGrpSpPr/>
-        <p:nvPr/>
-      </p:nvGrpSpPr>
-      <p:grpSpPr>
-        <a:xfrm>
-          <a:off x="0" y="0"/>
-          <a:ext cx="0" cy="0"/>
-          <a:chOff x="0" y="0"/>
-          <a:chExt cx="0" cy="0"/>
-        </a:xfrm>
-      </p:grpSpPr>
-      <p:pic>
-        <p:nvPicPr>
-          <p:cNvPr id="5" name="Picture 4"/>
-          <p:cNvPicPr>
-            <a:picLocks noChangeAspect="1"/>
-          </p:cNvPicPr>
-          <p:nvPr/>
-        </p:nvPicPr>
-        <p:blipFill>
-          <a:blip r:embed="rId2"/>
-          <a:stretch>
-            <a:fillRect/>
-          </a:stretch>
-        </p:blipFill>
-        <p:spPr>
-          <a:xfrm>
-            <a:off x="324764" y="1784314"/>
-            <a:ext cx="8657058" cy="2781630"/>
-          </a:xfrm>
-          <a:prstGeom prst="rect">
-            <a:avLst/>
-          </a:prstGeom>
-        </p:spPr>
-      </p:pic>
-      <p:sp>
-        <p:nvSpPr>
-          <p:cNvPr id="6" name="TextBox 5"/>
-          <p:cNvSpPr txBox="1"/>
-          <p:nvPr/>
-        </p:nvSpPr>
-        <p:spPr>
-          <a:xfrm>
-            <a:off x="2507030" y="5204844"/>
-            <a:ext cx="3974421" cy="369332"/>
-          </a:xfrm>
-          <a:prstGeom prst="rect">
-            <a:avLst/>
-          </a:prstGeom>
-          <a:noFill/>
-        </p:spPr>
-        <p:txBody>
-          <a:bodyPr wrap="none" rtlCol="0">
-            <a:spAutoFit/>
-          </a:bodyPr>
-          <a:lstStyle/>
-          <a:p>
-            <a:r>
-              <a:rPr lang="en-US" dirty="0"/>
-              <a:t>http://pages.cs.wisc.edu/~remzi/OSTEP/</a:t>
-            </a:r>
-          </a:p>
-        </p:txBody>
-      </p:sp>
-    </p:spTree>
-    <p:extLst>
-      <p:ext uri="{BB962C8B-B14F-4D97-AF65-F5344CB8AC3E}">
-        <p14:creationId xmlns:p14="http://schemas.microsoft.com/office/powerpoint/2010/main" val="749105989"/>
-      </p:ext>
-    </p:extLst>
-  </p:cSld>
-  <p:clrMapOvr>
-    <a:masterClrMapping/>
-  </p:clrMapOvr>
-</p:sld>
-</file>
-
 <file path=ppt/slides/slide9.xml><?xml version="1.0" encoding="utf-8"?>
 <p:sld xmlns:a="http://schemas.openxmlformats.org/drawingml/2006/main" xmlns:r="http://schemas.openxmlformats.org/officeDocument/2006/relationships" xmlns:p="http://schemas.openxmlformats.org/presentationml/2006/main">
   <p:cSld>
@@ -9352,10 +7693,9 @@
           <a:lstStyle/>
           <a:p>
             <a:r>
-              <a:rPr lang="en-US" dirty="0" smtClean="0"/>
+              <a:rPr lang="en-US" dirty="0"/>
               <a:t>Outline</a:t>
             </a:r>
-            <a:endParaRPr lang="en-US" dirty="0"/>
           </a:p>
         </p:txBody>
       </p:sp>
@@ -9381,24 +7721,15 @@
           </a:p>
           <a:p>
             <a:r>
-              <a:rPr lang="en-US" dirty="0" smtClean="0"/>
-              <a:t>Why</a:t>
-            </a:r>
-            <a:r>
-              <a:rPr lang="en-US" dirty="0" smtClean="0"/>
-              <a:t>?</a:t>
-            </a:r>
-          </a:p>
-          <a:p>
-            <a:r>
-              <a:rPr lang="en-US" dirty="0" smtClean="0"/>
-              <a:t>What</a:t>
-            </a:r>
-            <a:r>
-              <a:rPr lang="en-US" dirty="0" smtClean="0"/>
-              <a:t>?</a:t>
-            </a:r>
-            <a:endParaRPr lang="en-US" dirty="0" smtClean="0"/>
+              <a:rPr lang="en-US" dirty="0"/>
+              <a:t>Why?</a:t>
+            </a:r>
+          </a:p>
+          <a:p>
+            <a:r>
+              <a:rPr lang="en-US" dirty="0"/>
+              <a:t>What?</a:t>
+            </a:r>
           </a:p>
         </p:txBody>
       </p:sp>
@@ -9412,13 +7743,6 @@
   <p:clrMapOvr>
     <a:masterClrMapping/>
   </p:clrMapOvr>
-  <p:timing>
-    <p:tnLst>
-      <p:par>
-        <p:cTn id="1" dur="indefinite" restart="never" nodeType="tmRoot"/>
-      </p:par>
-    </p:tnLst>
-  </p:timing>
 </p:sld>
 </file>
 

--- a/lectures/01-introduction.pptx
+++ b/lectures/01-introduction.pptx
@@ -4232,7 +4232,7 @@
           <a:p>
             <a:r>
               <a:rPr lang="nb-NO" sz="2800" dirty="0"/>
-              <a:t>6 (or 7) </a:t>
+              <a:t>6 </a:t>
             </a:r>
             <a:r>
               <a:rPr lang="nb-NO" sz="2800" dirty="0" err="1"/>

--- a/lectures/01-introduction.pptx
+++ b/lectures/01-introduction.pptx
@@ -5778,6 +5778,15 @@
               </a:rPr>
               <a:t>Ritchie</a:t>
             </a:r>
+            <a:endParaRPr lang="en-US" sz="1800" dirty="0"/>
+          </a:p>
+          <a:p>
+            <a:pPr marL="457200" lvl="1" indent="0">
+              <a:lnSpc>
+                <a:spcPct val="90000"/>
+              </a:lnSpc>
+              <a:buNone/>
+            </a:pPr>
             <a:endParaRPr lang="en-US" sz="1800" dirty="0"/>
           </a:p>
           <a:p>
@@ -7424,6 +7433,12 @@
             <a:r>
               <a:rPr lang="en-US" dirty="0"/>
               <a:t>Sensors</a:t>
+            </a:r>
+          </a:p>
+          <a:p>
+            <a:r>
+              <a:rPr lang="en-US" dirty="0"/>
+              <a:t>Privacy</a:t>
             </a:r>
           </a:p>
           <a:p>
